--- a/English/3.Modeling/5.Comprendre le crossfilter directions.pptx
+++ b/English/3.Modeling/5.Comprendre le crossfilter directions.pptx
@@ -203,7 +203,7 @@
           <a:p>
             <a:fld id="{056BA3B8-9F76-4D81-B71D-76CB85363062}" type="datetimeFigureOut">
               <a:rPr lang="en-US" smtClean="0"/>
-              <a:t>3/5/2025</a:t>
+              <a:t>4/3/2025</a:t>
             </a:fld>
             <a:endParaRPr lang="en-US"/>
           </a:p>
@@ -602,7 +602,7 @@
           <a:p>
             <a:fld id="{6F01DA4D-20EA-48D2-973C-0311EC3005D6}" type="datetimeFigureOut">
               <a:rPr lang="en-US" smtClean="0"/>
-              <a:t>3/5/2025</a:t>
+              <a:t>4/3/2025</a:t>
             </a:fld>
             <a:endParaRPr lang="en-US"/>
           </a:p>
@@ -772,7 +772,7 @@
           <a:p>
             <a:fld id="{6F01DA4D-20EA-48D2-973C-0311EC3005D6}" type="datetimeFigureOut">
               <a:rPr lang="en-US" smtClean="0"/>
-              <a:t>3/5/2025</a:t>
+              <a:t>4/3/2025</a:t>
             </a:fld>
             <a:endParaRPr lang="en-US"/>
           </a:p>
@@ -952,7 +952,7 @@
           <a:p>
             <a:fld id="{6F01DA4D-20EA-48D2-973C-0311EC3005D6}" type="datetimeFigureOut">
               <a:rPr lang="en-US" smtClean="0"/>
-              <a:t>3/5/2025</a:t>
+              <a:t>4/3/2025</a:t>
             </a:fld>
             <a:endParaRPr lang="en-US"/>
           </a:p>
@@ -1122,7 +1122,7 @@
           <a:p>
             <a:fld id="{6F01DA4D-20EA-48D2-973C-0311EC3005D6}" type="datetimeFigureOut">
               <a:rPr lang="en-US" smtClean="0"/>
-              <a:t>3/5/2025</a:t>
+              <a:t>4/3/2025</a:t>
             </a:fld>
             <a:endParaRPr lang="en-US"/>
           </a:p>
@@ -1368,7 +1368,7 @@
           <a:p>
             <a:fld id="{6F01DA4D-20EA-48D2-973C-0311EC3005D6}" type="datetimeFigureOut">
               <a:rPr lang="en-US" smtClean="0"/>
-              <a:t>3/5/2025</a:t>
+              <a:t>4/3/2025</a:t>
             </a:fld>
             <a:endParaRPr lang="en-US"/>
           </a:p>
@@ -1600,7 +1600,7 @@
           <a:p>
             <a:fld id="{6F01DA4D-20EA-48D2-973C-0311EC3005D6}" type="datetimeFigureOut">
               <a:rPr lang="en-US" smtClean="0"/>
-              <a:t>3/5/2025</a:t>
+              <a:t>4/3/2025</a:t>
             </a:fld>
             <a:endParaRPr lang="en-US"/>
           </a:p>
@@ -1967,7 +1967,7 @@
           <a:p>
             <a:fld id="{6F01DA4D-20EA-48D2-973C-0311EC3005D6}" type="datetimeFigureOut">
               <a:rPr lang="en-US" smtClean="0"/>
-              <a:t>3/5/2025</a:t>
+              <a:t>4/3/2025</a:t>
             </a:fld>
             <a:endParaRPr lang="en-US"/>
           </a:p>
@@ -2085,7 +2085,7 @@
           <a:p>
             <a:fld id="{6F01DA4D-20EA-48D2-973C-0311EC3005D6}" type="datetimeFigureOut">
               <a:rPr lang="en-US" smtClean="0"/>
-              <a:t>3/5/2025</a:t>
+              <a:t>4/3/2025</a:t>
             </a:fld>
             <a:endParaRPr lang="en-US"/>
           </a:p>
@@ -2180,7 +2180,7 @@
           <a:p>
             <a:fld id="{6F01DA4D-20EA-48D2-973C-0311EC3005D6}" type="datetimeFigureOut">
               <a:rPr lang="en-US" smtClean="0"/>
-              <a:t>3/5/2025</a:t>
+              <a:t>4/3/2025</a:t>
             </a:fld>
             <a:endParaRPr lang="en-US"/>
           </a:p>
@@ -2457,7 +2457,7 @@
           <a:p>
             <a:fld id="{6F01DA4D-20EA-48D2-973C-0311EC3005D6}" type="datetimeFigureOut">
               <a:rPr lang="en-US" smtClean="0"/>
-              <a:t>3/5/2025</a:t>
+              <a:t>4/3/2025</a:t>
             </a:fld>
             <a:endParaRPr lang="en-US"/>
           </a:p>
@@ -2710,7 +2710,7 @@
           <a:p>
             <a:fld id="{6F01DA4D-20EA-48D2-973C-0311EC3005D6}" type="datetimeFigureOut">
               <a:rPr lang="en-US" smtClean="0"/>
-              <a:t>3/5/2025</a:t>
+              <a:t>4/3/2025</a:t>
             </a:fld>
             <a:endParaRPr lang="en-US"/>
           </a:p>
@@ -2923,7 +2923,7 @@
           <a:p>
             <a:fld id="{6F01DA4D-20EA-48D2-973C-0311EC3005D6}" type="datetimeFigureOut">
               <a:rPr lang="en-US" smtClean="0"/>
-              <a:t>3/5/2025</a:t>
+              <a:t>4/3/2025</a:t>
             </a:fld>
             <a:endParaRPr lang="en-US"/>
           </a:p>
@@ -3358,8 +3358,8 @@
           </a:bodyPr>
           <a:lstStyle/>
           <a:p>
-            <a:pPr xmlns:a="http://schemas.openxmlformats.org/drawingml/2006/main" algn="ctr"/>
-            <a:r xmlns:a="http://schemas.openxmlformats.org/drawingml/2006/main">
+            <a:pPr algn="ctr"/>
+            <a:r>
               <a:rPr lang="en" sz="7200" b="1" dirty="0" smtClean="0">
                 <a:solidFill>
                   <a:srgbClr val="7030A0"/>
@@ -3368,12 +3368,9 @@
                 <a:ea typeface="Verdana" panose="020B0604030504040204" pitchFamily="34" charset="0"/>
                 <a:cs typeface="Segoe UI" panose="020B0502040204020203" pitchFamily="34" charset="0"/>
               </a:rPr>
-              <a:t>To understand</a:t>
-            </a:r>
-          </a:p>
-          <a:p>
-            <a:pPr xmlns:a="http://schemas.openxmlformats.org/drawingml/2006/main" algn="ctr"/>
-            <a:r xmlns:a="http://schemas.openxmlformats.org/drawingml/2006/main">
+              <a:t>U</a:t>
+            </a:r>
+            <a:r>
               <a:rPr lang="en" sz="7200" b="1" dirty="0" smtClean="0">
                 <a:solidFill>
                   <a:srgbClr val="7030A0"/>
@@ -3382,23 +3379,9 @@
                 <a:ea typeface="Verdana" panose="020B0604030504040204" pitchFamily="34" charset="0"/>
                 <a:cs typeface="Segoe UI" panose="020B0502040204020203" pitchFamily="34" charset="0"/>
               </a:rPr>
-              <a:t>Crossfilter</a:t>
-            </a:r>
-          </a:p>
-          <a:p>
-            <a:pPr xmlns:a="http://schemas.openxmlformats.org/drawingml/2006/main" algn="ctr"/>
-            <a:r xmlns:a="http://schemas.openxmlformats.org/drawingml/2006/main">
-              <a:rPr lang="en" sz="7200" b="1" dirty="0" smtClean="0">
-                <a:solidFill>
-                  <a:srgbClr val="7030A0"/>
-                </a:solidFill>
-                <a:latin typeface="Segoe UI" panose="020B0502040204020203" pitchFamily="34" charset="0"/>
-                <a:ea typeface="Verdana" panose="020B0604030504040204" pitchFamily="34" charset="0"/>
-                <a:cs typeface="Segoe UI" panose="020B0502040204020203" pitchFamily="34" charset="0"/>
-              </a:rPr>
-              <a:t>directions</a:t>
-            </a:r>
-            <a:endParaRPr xmlns:a="http://schemas.openxmlformats.org/drawingml/2006/main" lang="en-US" sz="7200" b="1" dirty="0">
+              <a:t>nderstanding</a:t>
+            </a:r>
+            <a:endParaRPr lang="en" sz="7200" b="1" dirty="0" smtClean="0">
               <a:solidFill>
                 <a:srgbClr val="7030A0"/>
               </a:solidFill>
@@ -3407,6 +3390,42 @@
               <a:cs typeface="Segoe UI" panose="020B0502040204020203" pitchFamily="34" charset="0"/>
             </a:endParaRPr>
           </a:p>
+          <a:p>
+            <a:pPr algn="ctr"/>
+            <a:r>
+              <a:rPr lang="en" sz="7200" b="1" dirty="0" smtClean="0">
+                <a:solidFill>
+                  <a:srgbClr val="7030A0"/>
+                </a:solidFill>
+                <a:latin typeface="Segoe UI" panose="020B0502040204020203" pitchFamily="34" charset="0"/>
+                <a:ea typeface="Verdana" panose="020B0604030504040204" pitchFamily="34" charset="0"/>
+                <a:cs typeface="Segoe UI" panose="020B0502040204020203" pitchFamily="34" charset="0"/>
+              </a:rPr>
+              <a:t>Crossfilter</a:t>
+            </a:r>
+          </a:p>
+          <a:p>
+            <a:pPr algn="ctr"/>
+            <a:r>
+              <a:rPr lang="en" sz="7200" b="1" dirty="0" smtClean="0">
+                <a:solidFill>
+                  <a:srgbClr val="7030A0"/>
+                </a:solidFill>
+                <a:latin typeface="Segoe UI" panose="020B0502040204020203" pitchFamily="34" charset="0"/>
+                <a:ea typeface="Verdana" panose="020B0604030504040204" pitchFamily="34" charset="0"/>
+                <a:cs typeface="Segoe UI" panose="020B0502040204020203" pitchFamily="34" charset="0"/>
+              </a:rPr>
+              <a:t>directions</a:t>
+            </a:r>
+            <a:endParaRPr lang="en-US" sz="7200" b="1" dirty="0">
+              <a:solidFill>
+                <a:srgbClr val="7030A0"/>
+              </a:solidFill>
+              <a:latin typeface="Segoe UI" panose="020B0502040204020203" pitchFamily="34" charset="0"/>
+              <a:ea typeface="Verdana" panose="020B0604030504040204" pitchFamily="34" charset="0"/>
+              <a:cs typeface="Segoe UI" panose="020B0502040204020203" pitchFamily="34" charset="0"/>
+            </a:endParaRPr>
+          </a:p>
         </p:txBody>
       </p:sp>
       <p:sp>
@@ -3417,7 +3436,7 @@
         </p:nvSpPr>
         <p:spPr>
           <a:xfrm>
-            <a:off x="1385361" y="1550182"/>
+            <a:off x="1385361" y="1543306"/>
             <a:ext cx="9199606" cy="3416320"/>
           </a:xfrm>
           <a:prstGeom prst="rect">
@@ -3431,8 +3450,8 @@
           </a:bodyPr>
           <a:lstStyle/>
           <a:p>
-            <a:pPr xmlns:a="http://schemas.openxmlformats.org/drawingml/2006/main" algn="ctr"/>
-            <a:r xmlns:a="http://schemas.openxmlformats.org/drawingml/2006/main">
+            <a:pPr algn="ctr"/>
+            <a:r>
               <a:rPr lang="en" sz="7200" b="1" dirty="0" smtClean="0">
                 <a:solidFill>
                   <a:schemeClr val="bg1"/>
@@ -3441,12 +3460,9 @@
                 <a:ea typeface="Verdana" panose="020B0604030504040204" pitchFamily="34" charset="0"/>
                 <a:cs typeface="Segoe UI" panose="020B0502040204020203" pitchFamily="34" charset="0"/>
               </a:rPr>
-              <a:t>To understand</a:t>
-            </a:r>
-          </a:p>
-          <a:p>
-            <a:pPr xmlns:a="http://schemas.openxmlformats.org/drawingml/2006/main" algn="ctr"/>
-            <a:r xmlns:a="http://schemas.openxmlformats.org/drawingml/2006/main">
+              <a:t> </a:t>
+            </a:r>
+            <a:r>
               <a:rPr lang="en" sz="7200" b="1" dirty="0" smtClean="0">
                 <a:solidFill>
                   <a:schemeClr val="bg1"/>
@@ -3455,12 +3471,45 @@
                 <a:ea typeface="Verdana" panose="020B0604030504040204" pitchFamily="34" charset="0"/>
                 <a:cs typeface="Segoe UI" panose="020B0502040204020203" pitchFamily="34" charset="0"/>
               </a:rPr>
+              <a:t>U</a:t>
+            </a:r>
+            <a:r>
+              <a:rPr lang="en" sz="7200" b="1" dirty="0" smtClean="0">
+                <a:solidFill>
+                  <a:schemeClr val="bg1"/>
+                </a:solidFill>
+                <a:latin typeface="Segoe UI" panose="020B0502040204020203" pitchFamily="34" charset="0"/>
+                <a:ea typeface="Verdana" panose="020B0604030504040204" pitchFamily="34" charset="0"/>
+                <a:cs typeface="Segoe UI" panose="020B0502040204020203" pitchFamily="34" charset="0"/>
+              </a:rPr>
+              <a:t>nderstanding</a:t>
+            </a:r>
+            <a:endParaRPr lang="en" sz="7200" b="1" dirty="0" smtClean="0">
+              <a:solidFill>
+                <a:schemeClr val="bg1"/>
+              </a:solidFill>
+              <a:latin typeface="Segoe UI" panose="020B0502040204020203" pitchFamily="34" charset="0"/>
+              <a:ea typeface="Verdana" panose="020B0604030504040204" pitchFamily="34" charset="0"/>
+              <a:cs typeface="Segoe UI" panose="020B0502040204020203" pitchFamily="34" charset="0"/>
+            </a:endParaRPr>
+          </a:p>
+          <a:p>
+            <a:pPr algn="ctr"/>
+            <a:r>
+              <a:rPr lang="en" sz="7200" b="1" dirty="0" smtClean="0">
+                <a:solidFill>
+                  <a:schemeClr val="bg1"/>
+                </a:solidFill>
+                <a:latin typeface="Segoe UI" panose="020B0502040204020203" pitchFamily="34" charset="0"/>
+                <a:ea typeface="Verdana" panose="020B0604030504040204" pitchFamily="34" charset="0"/>
+                <a:cs typeface="Segoe UI" panose="020B0502040204020203" pitchFamily="34" charset="0"/>
+              </a:rPr>
               <a:t>Crossfilter</a:t>
             </a:r>
           </a:p>
           <a:p>
-            <a:pPr xmlns:a="http://schemas.openxmlformats.org/drawingml/2006/main" algn="ctr"/>
-            <a:r xmlns:a="http://schemas.openxmlformats.org/drawingml/2006/main">
+            <a:pPr algn="ctr"/>
+            <a:r>
               <a:rPr lang="en" sz="7200" b="1" dirty="0" smtClean="0">
                 <a:solidFill>
                   <a:schemeClr val="bg1"/>
@@ -3471,7 +3520,7 @@
               </a:rPr>
               <a:t>directions</a:t>
             </a:r>
-            <a:endParaRPr xmlns:a="http://schemas.openxmlformats.org/drawingml/2006/main" lang="en-US" sz="7200" b="1" dirty="0">
+            <a:endParaRPr lang="en-US" sz="7200" b="1" dirty="0">
               <a:solidFill>
                 <a:schemeClr val="bg1"/>
               </a:solidFill>
@@ -3534,14 +3583,14 @@
           </a:bodyPr>
           <a:lstStyle/>
           <a:p>
-            <a:r xmlns:a="http://schemas.openxmlformats.org/drawingml/2006/main">
+            <a:r>
               <a:rPr lang="en" sz="2000" b="1" dirty="0" smtClean="0">
                 <a:latin typeface="Segoe UI" panose="020B0502040204020203" pitchFamily="34" charset="0"/>
                 <a:cs typeface="Segoe UI" panose="020B0502040204020203" pitchFamily="34" charset="0"/>
               </a:rPr>
               <a:t>Understanding Crossfilter Directions</a:t>
             </a:r>
-            <a:endParaRPr xmlns:a="http://schemas.openxmlformats.org/drawingml/2006/main" lang="fr-FR" sz="2000" b="1" dirty="0">
+            <a:endParaRPr lang="fr-FR" sz="2000" b="1" dirty="0">
               <a:latin typeface="Segoe UI" panose="020B0502040204020203" pitchFamily="34" charset="0"/>
               <a:cs typeface="Segoe UI" panose="020B0502040204020203" pitchFamily="34" charset="0"/>
             </a:endParaRPr>
@@ -3569,7 +3618,7 @@
           </a:bodyPr>
           <a:lstStyle/>
           <a:p>
-            <a:pPr xmlns:a="http://schemas.openxmlformats.org/drawingml/2006/main">
+            <a:pPr>
               <a:lnSpc>
                 <a:spcPct val="107000"/>
               </a:lnSpc>
@@ -3580,31 +3629,27 @@
                 <a:spcPts val="0"/>
               </a:spcAft>
             </a:pPr>
-            <a:r xmlns:a="http://schemas.openxmlformats.org/drawingml/2006/main">
+            <a:r>
               <a:rPr lang="en" sz="2000" b="1" dirty="0"/>
               <a:t>Note: </a:t>
             </a:r>
-            <a:r xmlns:a="http://schemas.openxmlformats.org/drawingml/2006/main">
+            <a:r>
               <a:rPr lang="en" sz="2000" dirty="0" smtClean="0"/>
               <a:t>This lab uses the </a:t>
             </a:r>
-            <a:r xmlns:a="http://schemas.openxmlformats.org/drawingml/2006/main">
+            <a:r>
               <a:rPr lang="en" sz="2000" b="1" dirty="0" smtClean="0"/>
               <a:t>lab5.xlsx </a:t>
             </a:r>
-            <a:r xmlns:a="http://schemas.openxmlformats.org/drawingml/2006/main">
+            <a:r>
               <a:rPr lang="en" sz="2000" dirty="0"/>
-              <a:t>file </a:t>
-            </a:r>
-            <a:r xmlns:a="http://schemas.openxmlformats.org/drawingml/2006/main">
-              <a:rPr lang="en" sz="2000" dirty="0"/>
-              <a:t>in the </a:t>
-            </a:r>
-            <a:r xmlns:a="http://schemas.openxmlformats.org/drawingml/2006/main">
+              <a:t>file in the </a:t>
+            </a:r>
+            <a:r>
               <a:rPr lang="en" sz="2000" b="1" dirty="0"/>
               <a:t>Sales template</a:t>
             </a:r>
-            <a:endParaRPr xmlns:a="http://schemas.openxmlformats.org/drawingml/2006/main" lang="en-US" sz="3200" b="1" kern="0" dirty="0">
+            <a:endParaRPr lang="en-US" sz="3200" b="1" kern="0" dirty="0">
               <a:effectLst/>
               <a:latin typeface="Segoe UI" panose="020B0502040204020203" pitchFamily="34" charset="0"/>
               <a:ea typeface="Times New Roman" panose="02020603050405020304" pitchFamily="18" charset="0"/>
@@ -3672,7 +3717,7 @@
           </a:bodyPr>
           <a:lstStyle/>
           <a:p>
-            <a:pPr xmlns:a="http://schemas.openxmlformats.org/drawingml/2006/main" marR="0" lvl="0" algn="l" defTabSz="914400" rtl="0" eaLnBrk="0" fontAlgn="base" latinLnBrk="0" hangingPunct="0">
+            <a:pPr marR="0" lvl="0" algn="l" defTabSz="914400" rtl="0" eaLnBrk="0" fontAlgn="base" latinLnBrk="0" hangingPunct="0">
               <a:lnSpc>
                 <a:spcPct val="100000"/>
               </a:lnSpc>
@@ -3688,7 +3733,7 @@
               <a:buChar char="•"/>
               <a:tabLst/>
             </a:pPr>
-            <a:r xmlns:a="http://schemas.openxmlformats.org/drawingml/2006/main">
+            <a:r>
               <a:rPr kumimoji="0" lang="en" altLang="en-US" sz="1800" b="0" i="0" u="none" strike="noStrike" cap="none" normalizeH="0" baseline="0" dirty="0" smtClean="0">
                 <a:ln>
                   <a:noFill/>
@@ -3702,7 +3747,7 @@
               </a:rPr>
               <a:t>Go to </a:t>
             </a:r>
-            <a:r xmlns:a="http://schemas.openxmlformats.org/drawingml/2006/main">
+            <a:r>
               <a:rPr kumimoji="0" lang="en" altLang="en-US" sz="1800" b="1" i="0" u="none" strike="noStrike" cap="none" normalizeH="0" baseline="0" dirty="0" smtClean="0">
                 <a:ln>
                   <a:noFill/>
@@ -3716,7 +3761,7 @@
               </a:rPr>
               <a:t>"Model" (Model </a:t>
             </a:r>
-            <a:r xmlns:a="http://schemas.openxmlformats.org/drawingml/2006/main">
+            <a:r>
               <a:rPr kumimoji="0" lang="en" altLang="en-US" sz="1800" b="1" i="0" u="none" strike="noStrike" cap="none" normalizeH="0" baseline="0" dirty="0" err="1" smtClean="0">
                 <a:ln>
                   <a:noFill/>
@@ -3730,7 +3775,7 @@
               </a:rPr>
               <a:t>View </a:t>
             </a:r>
-            <a:r xmlns:a="http://schemas.openxmlformats.org/drawingml/2006/main">
+            <a:r>
               <a:rPr kumimoji="0" lang="en" altLang="en-US" sz="1800" b="1" i="0" u="none" strike="noStrike" cap="none" normalizeH="0" baseline="0" dirty="0" smtClean="0">
                 <a:ln>
                   <a:noFill/>
@@ -3744,7 +3789,7 @@
               </a:rPr>
               <a:t>) </a:t>
             </a:r>
-            <a:r xmlns:a="http://schemas.openxmlformats.org/drawingml/2006/main">
+            <a:r>
               <a:rPr kumimoji="0" lang="en" altLang="en-US" sz="1800" b="0" i="0" u="none" strike="noStrike" cap="none" normalizeH="0" baseline="0" dirty="0" smtClean="0">
                 <a:ln>
                   <a:noFill/>
@@ -3760,7 +3805,7 @@
             </a:r>
           </a:p>
           <a:p>
-            <a:pPr xmlns:a="http://schemas.openxmlformats.org/drawingml/2006/main" marL="0" marR="0" lvl="0" indent="0" algn="l" defTabSz="914400" rtl="0" eaLnBrk="0" fontAlgn="base" latinLnBrk="0" hangingPunct="0">
+            <a:pPr marL="0" marR="0" lvl="0" indent="0" algn="l" defTabSz="914400" rtl="0" eaLnBrk="0" fontAlgn="base" latinLnBrk="0" hangingPunct="0">
               <a:lnSpc>
                 <a:spcPct val="100000"/>
               </a:lnSpc>
@@ -3776,7 +3821,7 @@
               <a:buChar char="•"/>
               <a:tabLst/>
             </a:pPr>
-            <a:r xmlns:a="http://schemas.openxmlformats.org/drawingml/2006/main">
+            <a:r>
               <a:rPr kumimoji="0" lang="en" altLang="en-US" sz="1800" b="0" i="0" u="none" strike="noStrike" cap="none" normalizeH="0" baseline="0" dirty="0" smtClean="0">
                 <a:ln>
                   <a:noFill/>
@@ -3792,7 +3837,7 @@
             </a:r>
           </a:p>
           <a:p>
-            <a:pPr xmlns:a="http://schemas.openxmlformats.org/drawingml/2006/main" lvl="1" eaLnBrk="0" fontAlgn="base" hangingPunct="0">
+            <a:pPr lvl="1" eaLnBrk="0" fontAlgn="base" hangingPunct="0">
               <a:spcBef>
                 <a:spcPct val="0"/>
               </a:spcBef>
@@ -3802,7 +3847,7 @@
               <a:buFontTx/>
               <a:buChar char="•"/>
             </a:pPr>
-            <a:r xmlns:a="http://schemas.openxmlformats.org/drawingml/2006/main">
+            <a:r>
               <a:rPr kumimoji="0" lang="en" altLang="en-US" b="1" i="0" u="none" strike="noStrike" cap="none" normalizeH="0" baseline="0" dirty="0" err="1" smtClean="0">
                 <a:ln>
                   <a:noFill/>
@@ -3816,7 +3861,7 @@
               </a:rPr>
               <a:t>DimProduct </a:t>
             </a:r>
-            <a:r xmlns:a="http://schemas.openxmlformats.org/drawingml/2006/main">
+            <a:r>
               <a:rPr kumimoji="0" lang="en" altLang="en-US" b="1" i="0" u="none" strike="noStrike" cap="none" normalizeH="0" baseline="0" dirty="0" smtClean="0">
                 <a:ln>
                   <a:noFill/>
@@ -3830,7 +3875,7 @@
               </a:rPr>
               <a:t>[ </a:t>
             </a:r>
-            <a:r xmlns:a="http://schemas.openxmlformats.org/drawingml/2006/main">
+            <a:r>
               <a:rPr kumimoji="0" lang="en" altLang="en-US" b="1" i="0" u="none" strike="noStrike" cap="none" normalizeH="0" baseline="0" dirty="0" err="1" smtClean="0">
                 <a:ln>
                   <a:noFill/>
@@ -3844,7 +3889,7 @@
               </a:rPr>
               <a:t>ProductID </a:t>
             </a:r>
-            <a:r xmlns:a="http://schemas.openxmlformats.org/drawingml/2006/main">
+            <a:r>
               <a:rPr kumimoji="0" lang="en" altLang="en-US" b="1" i="0" u="none" strike="noStrike" cap="none" normalizeH="0" baseline="0" dirty="0" smtClean="0">
                 <a:ln>
                   <a:noFill/>
@@ -3858,7 +3903,7 @@
               </a:rPr>
               <a:t>] </a:t>
             </a:r>
-            <a:r xmlns:a="http://schemas.openxmlformats.org/drawingml/2006/main">
+            <a:r>
               <a:rPr kumimoji="0" lang="en" altLang="en-US" b="0" i="0" u="none" strike="noStrike" cap="none" normalizeH="0" baseline="0" dirty="0" smtClean="0">
                 <a:ln>
                   <a:noFill/>
@@ -3872,7 +3917,7 @@
               </a:rPr>
               <a:t>→ </a:t>
             </a:r>
-            <a:r xmlns:a="http://schemas.openxmlformats.org/drawingml/2006/main">
+            <a:r>
               <a:rPr kumimoji="0" lang="en" altLang="en-US" b="1" i="0" u="none" strike="noStrike" cap="none" normalizeH="0" baseline="0" dirty="0" smtClean="0">
                 <a:ln>
                   <a:noFill/>
@@ -3886,7 +3931,7 @@
               </a:rPr>
               <a:t>FactSales[ </a:t>
             </a:r>
-            <a:r xmlns:a="http://schemas.openxmlformats.org/drawingml/2006/main">
+            <a:r>
               <a:rPr kumimoji="0" lang="en" altLang="en-US" b="1" i="0" u="none" strike="noStrike" cap="none" normalizeH="0" baseline="0" dirty="0" err="1" smtClean="0">
                 <a:ln>
                   <a:noFill/>
@@ -3900,7 +3945,7 @@
               </a:rPr>
               <a:t>ProductID </a:t>
             </a:r>
-            <a:r xmlns:a="http://schemas.openxmlformats.org/drawingml/2006/main">
+            <a:r>
               <a:rPr kumimoji="0" lang="en" altLang="en-US" b="1" i="0" u="none" strike="noStrike" cap="none" normalizeH="0" baseline="0" dirty="0" smtClean="0">
                 <a:ln>
                   <a:noFill/>
@@ -3914,7 +3959,7 @@
               </a:rPr>
               <a:t>]</a:t>
             </a:r>
-            <a:endParaRPr xmlns:a="http://schemas.openxmlformats.org/drawingml/2006/main" kumimoji="0" lang="fr-FR" altLang="en-US" b="0" i="0" u="none" strike="noStrike" cap="none" normalizeH="0" baseline="0" dirty="0" smtClean="0">
+            <a:endParaRPr kumimoji="0" lang="fr-FR" altLang="en-US" b="0" i="0" u="none" strike="noStrike" cap="none" normalizeH="0" baseline="0" dirty="0" smtClean="0">
               <a:ln>
                 <a:noFill/>
               </a:ln>
@@ -3927,7 +3972,7 @@
             </a:endParaRPr>
           </a:p>
           <a:p>
-            <a:pPr xmlns:a="http://schemas.openxmlformats.org/drawingml/2006/main" lvl="1" eaLnBrk="0" fontAlgn="base" hangingPunct="0">
+            <a:pPr lvl="1" eaLnBrk="0" fontAlgn="base" hangingPunct="0">
               <a:spcBef>
                 <a:spcPct val="0"/>
               </a:spcBef>
@@ -3937,7 +3982,7 @@
               <a:buFontTx/>
               <a:buChar char="•"/>
             </a:pPr>
-            <a:r xmlns:a="http://schemas.openxmlformats.org/drawingml/2006/main">
+            <a:r>
               <a:rPr kumimoji="0" lang="en" altLang="en-US" b="1" i="0" u="none" strike="noStrike" cap="none" normalizeH="0" baseline="0" dirty="0" err="1" smtClean="0">
                 <a:ln>
                   <a:noFill/>
@@ -3951,7 +3996,7 @@
               </a:rPr>
               <a:t>DimSupplier </a:t>
             </a:r>
-            <a:r xmlns:a="http://schemas.openxmlformats.org/drawingml/2006/main">
+            <a:r>
               <a:rPr kumimoji="0" lang="en" altLang="en-US" b="1" i="0" u="none" strike="noStrike" cap="none" normalizeH="0" baseline="0" dirty="0" smtClean="0">
                 <a:ln>
                   <a:noFill/>
@@ -3965,7 +4010,7 @@
               </a:rPr>
               <a:t>[ </a:t>
             </a:r>
-            <a:r xmlns:a="http://schemas.openxmlformats.org/drawingml/2006/main">
+            <a:r>
               <a:rPr kumimoji="0" lang="en" altLang="en-US" b="1" i="0" u="none" strike="noStrike" cap="none" normalizeH="0" baseline="0" dirty="0" err="1" smtClean="0">
                 <a:ln>
                   <a:noFill/>
@@ -3979,7 +4024,7 @@
               </a:rPr>
               <a:t>SupplierID </a:t>
             </a:r>
-            <a:r xmlns:a="http://schemas.openxmlformats.org/drawingml/2006/main">
+            <a:r>
               <a:rPr kumimoji="0" lang="en" altLang="en-US" b="1" i="0" u="none" strike="noStrike" cap="none" normalizeH="0" baseline="0" dirty="0" smtClean="0">
                 <a:ln>
                   <a:noFill/>
@@ -3993,7 +4038,7 @@
               </a:rPr>
               <a:t>] </a:t>
             </a:r>
-            <a:r xmlns:a="http://schemas.openxmlformats.org/drawingml/2006/main">
+            <a:r>
               <a:rPr kumimoji="0" lang="en" altLang="en-US" b="0" i="0" u="none" strike="noStrike" cap="none" normalizeH="0" baseline="0" dirty="0" smtClean="0">
                 <a:ln>
                   <a:noFill/>
@@ -4007,7 +4052,7 @@
               </a:rPr>
               <a:t>→ </a:t>
             </a:r>
-            <a:r xmlns:a="http://schemas.openxmlformats.org/drawingml/2006/main">
+            <a:r>
               <a:rPr kumimoji="0" lang="en" altLang="en-US" b="1" i="0" u="none" strike="noStrike" cap="none" normalizeH="0" baseline="0" dirty="0" smtClean="0">
                 <a:ln>
                   <a:noFill/>
@@ -4021,7 +4066,7 @@
               </a:rPr>
               <a:t>FactSales[ </a:t>
             </a:r>
-            <a:r xmlns:a="http://schemas.openxmlformats.org/drawingml/2006/main">
+            <a:r>
               <a:rPr kumimoji="0" lang="en" altLang="en-US" b="1" i="0" u="none" strike="noStrike" cap="none" normalizeH="0" baseline="0" dirty="0" err="1" smtClean="0">
                 <a:ln>
                   <a:noFill/>
@@ -4035,7 +4080,7 @@
               </a:rPr>
               <a:t>SupplierID </a:t>
             </a:r>
-            <a:r xmlns:a="http://schemas.openxmlformats.org/drawingml/2006/main">
+            <a:r>
               <a:rPr kumimoji="0" lang="en" altLang="en-US" b="1" i="0" u="none" strike="noStrike" cap="none" normalizeH="0" baseline="0" dirty="0" smtClean="0">
                 <a:ln>
                   <a:noFill/>
@@ -4049,7 +4094,7 @@
               </a:rPr>
               <a:t>]</a:t>
             </a:r>
-            <a:endParaRPr xmlns:a="http://schemas.openxmlformats.org/drawingml/2006/main" kumimoji="0" lang="fr-FR" altLang="en-US" b="0" i="0" u="none" strike="noStrike" cap="none" normalizeH="0" baseline="0" dirty="0" smtClean="0">
+            <a:endParaRPr kumimoji="0" lang="fr-FR" altLang="en-US" b="0" i="0" u="none" strike="noStrike" cap="none" normalizeH="0" baseline="0" dirty="0" smtClean="0">
               <a:ln>
                 <a:noFill/>
               </a:ln>
@@ -4062,7 +4107,7 @@
             </a:endParaRPr>
           </a:p>
           <a:p>
-            <a:pPr xmlns:a="http://schemas.openxmlformats.org/drawingml/2006/main" marL="0" marR="0" lvl="0" indent="0" algn="l" defTabSz="914400" rtl="0" eaLnBrk="0" fontAlgn="base" latinLnBrk="0" hangingPunct="0">
+            <a:pPr marL="0" marR="0" lvl="0" indent="0" algn="l" defTabSz="914400" rtl="0" eaLnBrk="0" fontAlgn="base" latinLnBrk="0" hangingPunct="0">
               <a:lnSpc>
                 <a:spcPct val="100000"/>
               </a:lnSpc>
@@ -4078,7 +4123,7 @@
               <a:buChar char="•"/>
               <a:tabLst/>
             </a:pPr>
-            <a:r xmlns:a="http://schemas.openxmlformats.org/drawingml/2006/main">
+            <a:r>
               <a:rPr kumimoji="0" lang="en" altLang="en-US" sz="1800" b="1" i="0" u="none" strike="noStrike" cap="none" normalizeH="0" baseline="0" dirty="0" smtClean="0">
                 <a:ln>
                   <a:noFill/>
@@ -4092,7 +4137,7 @@
               </a:rPr>
               <a:t>"Single" </a:t>
             </a:r>
-            <a:r xmlns:a="http://schemas.openxmlformats.org/drawingml/2006/main">
+            <a:r>
               <a:rPr kumimoji="0" lang="en" altLang="en-US" sz="1800" b="0" i="0" u="none" strike="noStrike" cap="none" normalizeH="0" baseline="0" dirty="0" smtClean="0">
                 <a:ln>
                   <a:noFill/>
@@ -4104,21 +4149,7 @@
                 <a:latin typeface="Segoe UI" panose="020B0502040204020203" pitchFamily="34" charset="0"/>
                 <a:cs typeface="Segoe UI" panose="020B0502040204020203" pitchFamily="34" charset="0"/>
               </a:rPr>
-              <a:t>filter direction </a:t>
-            </a:r>
-            <a:r xmlns:a="http://schemas.openxmlformats.org/drawingml/2006/main">
-              <a:rPr kumimoji="0" lang="en" altLang="en-US" sz="1800" b="0" i="0" u="none" strike="noStrike" cap="none" normalizeH="0" baseline="0" dirty="0" smtClean="0">
-                <a:ln>
-                  <a:noFill/>
-                </a:ln>
-                <a:solidFill>
-                  <a:schemeClr val="tx1"/>
-                </a:solidFill>
-                <a:effectLst/>
-                <a:latin typeface="Segoe UI" panose="020B0502040204020203" pitchFamily="34" charset="0"/>
-                <a:cs typeface="Segoe UI" panose="020B0502040204020203" pitchFamily="34" charset="0"/>
-              </a:rPr>
-              <a:t>.</a:t>
+              <a:t>filter direction .</a:t>
             </a:r>
           </a:p>
         </p:txBody>
@@ -4182,7 +4213,7 @@
           </a:bodyPr>
           <a:lstStyle/>
           <a:p>
-            <a:pPr xmlns:a="http://schemas.openxmlformats.org/drawingml/2006/main" marL="0" marR="0" lvl="0" indent="0" algn="l" defTabSz="914400" rtl="0" eaLnBrk="0" fontAlgn="base" latinLnBrk="0" hangingPunct="0">
+            <a:pPr marL="0" marR="0" lvl="0" indent="0" algn="l" defTabSz="914400" rtl="0" eaLnBrk="0" fontAlgn="base" latinLnBrk="0" hangingPunct="0">
               <a:lnSpc>
                 <a:spcPct val="100000"/>
               </a:lnSpc>
@@ -4198,7 +4229,7 @@
               <a:buChar char="•"/>
               <a:tabLst/>
             </a:pPr>
-            <a:r xmlns:a="http://schemas.openxmlformats.org/drawingml/2006/main">
+            <a:r>
               <a:rPr kumimoji="0" lang="en" altLang="en-US" b="1" i="0" u="none" strike="noStrike" cap="none" normalizeH="0" baseline="0" dirty="0" smtClean="0">
                 <a:ln>
                   <a:noFill/>
@@ -4212,7 +4243,7 @@
               </a:rPr>
               <a:t>Simple Filtering (Single) </a:t>
             </a:r>
-            <a:r xmlns:a="http://schemas.openxmlformats.org/drawingml/2006/main">
+            <a:r>
               <a:rPr kumimoji="0" lang="en" altLang="en-US" b="0" i="0" u="none" strike="noStrike" cap="none" normalizeH="0" baseline="0" dirty="0" smtClean="0">
                 <a:ln>
                   <a:noFill/>
@@ -4228,7 +4259,7 @@
             </a:r>
           </a:p>
           <a:p>
-            <a:pPr xmlns:a="http://schemas.openxmlformats.org/drawingml/2006/main" lvl="1" eaLnBrk="0" fontAlgn="base" hangingPunct="0">
+            <a:pPr lvl="1" eaLnBrk="0" fontAlgn="base" hangingPunct="0">
               <a:spcBef>
                 <a:spcPct val="0"/>
               </a:spcBef>
@@ -4238,7 +4269,7 @@
               <a:buFontTx/>
               <a:buChar char="•"/>
             </a:pPr>
-            <a:r xmlns:a="http://schemas.openxmlformats.org/drawingml/2006/main">
+            <a:r>
               <a:rPr kumimoji="0" lang="en" altLang="en-US" b="0" i="0" u="none" strike="noStrike" cap="none" normalizeH="0" baseline="0" dirty="0" smtClean="0">
                 <a:ln>
                   <a:noFill/>
@@ -4252,7 +4283,7 @@
               </a:rPr>
               <a:t>Filtering </a:t>
             </a:r>
-            <a:r xmlns:a="http://schemas.openxmlformats.org/drawingml/2006/main">
+            <a:r>
               <a:rPr kumimoji="0" lang="en" altLang="en-US" b="1" i="0" u="none" strike="noStrike" cap="none" normalizeH="0" baseline="0" dirty="0" err="1" smtClean="0">
                 <a:ln>
                   <a:noFill/>
@@ -4266,7 +4297,7 @@
               </a:rPr>
               <a:t>DimProduct </a:t>
             </a:r>
-            <a:r xmlns:a="http://schemas.openxmlformats.org/drawingml/2006/main">
+            <a:r>
               <a:rPr kumimoji="0" lang="en" altLang="en-US" b="0" i="0" u="none" strike="noStrike" cap="none" normalizeH="0" baseline="0" dirty="0" smtClean="0">
                 <a:ln>
                   <a:noFill/>
@@ -4282,7 +4313,7 @@
             </a:r>
           </a:p>
           <a:p>
-            <a:pPr xmlns:a="http://schemas.openxmlformats.org/drawingml/2006/main" lvl="1" eaLnBrk="0" fontAlgn="base" hangingPunct="0">
+            <a:pPr lvl="1" eaLnBrk="0" fontAlgn="base" hangingPunct="0">
               <a:spcBef>
                 <a:spcPct val="0"/>
               </a:spcBef>
@@ -4292,7 +4323,7 @@
               <a:buFontTx/>
               <a:buChar char="•"/>
             </a:pPr>
-            <a:r xmlns:a="http://schemas.openxmlformats.org/drawingml/2006/main">
+            <a:r>
               <a:rPr kumimoji="0" lang="en" altLang="en-US" b="0" i="0" u="none" strike="noStrike" cap="none" normalizeH="0" baseline="0" dirty="0" smtClean="0">
                 <a:ln>
                   <a:noFill/>
@@ -4306,7 +4337,7 @@
               </a:rPr>
               <a:t>Filter </a:t>
             </a:r>
-            <a:r xmlns:a="http://schemas.openxmlformats.org/drawingml/2006/main">
+            <a:r>
               <a:rPr kumimoji="0" lang="en" altLang="en-US" b="1" i="0" u="none" strike="noStrike" cap="none" normalizeH="0" baseline="0" dirty="0" err="1" smtClean="0">
                 <a:ln>
                   <a:noFill/>
@@ -4320,7 +4351,7 @@
               </a:rPr>
               <a:t>DimSupplier</a:t>
             </a:r>
-            <a:r xmlns:a="http://schemas.openxmlformats.org/drawingml/2006/main">
+            <a:r>
               <a:rPr kumimoji="0" lang="en" altLang="en-US" b="0" i="0" u="none" strike="noStrike" cap="none" normalizeH="0" baseline="0" dirty="0" smtClean="0">
                 <a:ln>
                   <a:noFill/>
@@ -4334,7 +4365,7 @@
               </a:rPr>
               <a:t> </a:t>
             </a:r>
-            <a:r xmlns:a="http://schemas.openxmlformats.org/drawingml/2006/main">
+            <a:r>
               <a:rPr kumimoji="0" lang="en" altLang="en-US" b="1" i="0" u="none" strike="noStrike" cap="none" normalizeH="0" baseline="0" dirty="0" smtClean="0">
                 <a:ln>
                   <a:noFill/>
@@ -4346,23 +4377,9 @@
                 <a:latin typeface="Segoe UI" panose="020B0502040204020203" pitchFamily="34" charset="0"/>
                 <a:cs typeface="Segoe UI" panose="020B0502040204020203" pitchFamily="34" charset="0"/>
               </a:rPr>
-              <a:t>will </a:t>
-            </a:r>
-            <a:r xmlns:a="http://schemas.openxmlformats.org/drawingml/2006/main">
-              <a:rPr kumimoji="0" lang="en" altLang="en-US" b="1" i="0" u="none" strike="noStrike" cap="none" normalizeH="0" baseline="0" dirty="0" smtClean="0">
-                <a:ln>
-                  <a:noFill/>
-                </a:ln>
-                <a:solidFill>
-                  <a:schemeClr val="tx1"/>
-                </a:solidFill>
-                <a:effectLst/>
-                <a:latin typeface="Segoe UI" panose="020B0502040204020203" pitchFamily="34" charset="0"/>
-                <a:cs typeface="Segoe UI" panose="020B0502040204020203" pitchFamily="34" charset="0"/>
-              </a:rPr>
-              <a:t>not </a:t>
-            </a:r>
-            <a:r xmlns:a="http://schemas.openxmlformats.org/drawingml/2006/main">
+              <a:t>will not </a:t>
+            </a:r>
+            <a:r>
               <a:rPr kumimoji="0" lang="en" altLang="en-US" b="0" i="0" u="none" strike="noStrike" cap="none" normalizeH="0" baseline="0" dirty="0" smtClean="0">
                 <a:ln>
                   <a:noFill/>
@@ -4374,21 +4391,7 @@
                 <a:latin typeface="Segoe UI" panose="020B0502040204020203" pitchFamily="34" charset="0"/>
                 <a:cs typeface="Segoe UI" panose="020B0502040204020203" pitchFamily="34" charset="0"/>
               </a:rPr>
-              <a:t>filter </a:t>
-            </a:r>
-            <a:r xmlns:a="http://schemas.openxmlformats.org/drawingml/2006/main">
-              <a:rPr kumimoji="0" lang="en" altLang="en-US" b="0" i="0" u="none" strike="noStrike" cap="none" normalizeH="0" baseline="0" dirty="0" smtClean="0">
-                <a:ln>
-                  <a:noFill/>
-                </a:ln>
-                <a:solidFill>
-                  <a:schemeClr val="tx1"/>
-                </a:solidFill>
-                <a:effectLst/>
-                <a:latin typeface="Segoe UI" panose="020B0502040204020203" pitchFamily="34" charset="0"/>
-                <a:cs typeface="Segoe UI" panose="020B0502040204020203" pitchFamily="34" charset="0"/>
-              </a:rPr>
-              <a:t>products.</a:t>
+              <a:t>filter products.</a:t>
             </a:r>
           </a:p>
           <a:p>
@@ -4435,7 +4438,7 @@
             </a:endParaRPr>
           </a:p>
           <a:p>
-            <a:pPr xmlns:a="http://schemas.openxmlformats.org/drawingml/2006/main" marL="0" marR="0" lvl="0" indent="0" algn="l" defTabSz="914400" rtl="0" eaLnBrk="0" fontAlgn="base" latinLnBrk="0" hangingPunct="0">
+            <a:pPr marL="0" marR="0" lvl="0" indent="0" algn="l" defTabSz="914400" rtl="0" eaLnBrk="0" fontAlgn="base" latinLnBrk="0" hangingPunct="0">
               <a:lnSpc>
                 <a:spcPct val="100000"/>
               </a:lnSpc>
@@ -4451,7 +4454,7 @@
               <a:buChar char="•"/>
               <a:tabLst/>
             </a:pPr>
-            <a:r xmlns:a="http://schemas.openxmlformats.org/drawingml/2006/main">
+            <a:r>
               <a:rPr kumimoji="0" lang="en" altLang="en-US" b="1" i="0" u="none" strike="noStrike" cap="none" normalizeH="0" baseline="0" dirty="0" smtClean="0">
                 <a:ln>
                   <a:noFill/>
@@ -4465,7 +4468,7 @@
               </a:rPr>
               <a:t>Double Filtering ( </a:t>
             </a:r>
-            <a:r xmlns:a="http://schemas.openxmlformats.org/drawingml/2006/main">
+            <a:r>
               <a:rPr kumimoji="0" lang="en" altLang="en-US" b="1" i="0" u="none" strike="noStrike" cap="none" normalizeH="0" baseline="0" dirty="0" err="1" smtClean="0">
                 <a:ln>
                   <a:noFill/>
@@ -4479,7 +4482,7 @@
               </a:rPr>
               <a:t>Both </a:t>
             </a:r>
-            <a:r xmlns:a="http://schemas.openxmlformats.org/drawingml/2006/main">
+            <a:r>
               <a:rPr kumimoji="0" lang="en" altLang="en-US" b="1" i="0" u="none" strike="noStrike" cap="none" normalizeH="0" baseline="0" dirty="0" smtClean="0">
                 <a:ln>
                   <a:noFill/>
@@ -4493,7 +4496,7 @@
               </a:rPr>
               <a:t>) </a:t>
             </a:r>
-            <a:r xmlns:a="http://schemas.openxmlformats.org/drawingml/2006/main">
+            <a:r>
               <a:rPr kumimoji="0" lang="en" altLang="en-US" b="0" i="0" u="none" strike="noStrike" cap="none" normalizeH="0" baseline="0" dirty="0" smtClean="0">
                 <a:ln>
                   <a:noFill/>
@@ -4509,7 +4512,7 @@
             </a:r>
           </a:p>
           <a:p>
-            <a:pPr xmlns:a="http://schemas.openxmlformats.org/drawingml/2006/main" lvl="1" eaLnBrk="0" fontAlgn="base" hangingPunct="0">
+            <a:pPr lvl="1" eaLnBrk="0" fontAlgn="base" hangingPunct="0">
               <a:spcBef>
                 <a:spcPct val="0"/>
               </a:spcBef>
@@ -4519,7 +4522,7 @@
               <a:buFontTx/>
               <a:buChar char="•"/>
             </a:pPr>
-            <a:r xmlns:a="http://schemas.openxmlformats.org/drawingml/2006/main">
+            <a:r>
               <a:rPr kumimoji="0" lang="en" altLang="en-US" b="0" i="0" u="none" strike="noStrike" cap="none" normalizeH="0" baseline="0" dirty="0" smtClean="0">
                 <a:ln>
                   <a:noFill/>
@@ -4533,7 +4536,7 @@
               </a:rPr>
               <a:t>Filtering </a:t>
             </a:r>
-            <a:r xmlns:a="http://schemas.openxmlformats.org/drawingml/2006/main">
+            <a:r>
               <a:rPr kumimoji="0" lang="en" altLang="en-US" b="1" i="0" u="none" strike="noStrike" cap="none" normalizeH="0" baseline="0" dirty="0" err="1" smtClean="0">
                 <a:ln>
                   <a:noFill/>
@@ -4547,7 +4550,7 @@
               </a:rPr>
               <a:t>DimSupplier </a:t>
             </a:r>
-            <a:r xmlns:a="http://schemas.openxmlformats.org/drawingml/2006/main">
+            <a:r>
               <a:rPr kumimoji="0" lang="en" altLang="en-US" b="0" i="0" u="none" strike="noStrike" cap="none" normalizeH="0" baseline="0" dirty="0" smtClean="0">
                 <a:ln>
                   <a:noFill/>
@@ -4561,7 +4564,7 @@
               </a:rPr>
               <a:t>will also filter </a:t>
             </a:r>
-            <a:r xmlns:a="http://schemas.openxmlformats.org/drawingml/2006/main">
+            <a:r>
               <a:rPr kumimoji="0" lang="en" altLang="en-US" b="1" i="0" u="none" strike="noStrike" cap="none" normalizeH="0" baseline="0" dirty="0" err="1" smtClean="0">
                 <a:ln>
                   <a:noFill/>
@@ -4575,7 +4578,7 @@
               </a:rPr>
               <a:t>DimProduct </a:t>
             </a:r>
-            <a:r xmlns:a="http://schemas.openxmlformats.org/drawingml/2006/main">
+            <a:r>
               <a:rPr kumimoji="0" lang="en" altLang="en-US" b="0" i="0" u="none" strike="noStrike" cap="none" normalizeH="0" baseline="0" dirty="0" smtClean="0">
                 <a:ln>
                   <a:noFill/>
@@ -4591,7 +4594,7 @@
             </a:r>
           </a:p>
           <a:p>
-            <a:pPr xmlns:a="http://schemas.openxmlformats.org/drawingml/2006/main" lvl="1" eaLnBrk="0" fontAlgn="base" hangingPunct="0">
+            <a:pPr lvl="1" eaLnBrk="0" fontAlgn="base" hangingPunct="0">
               <a:spcBef>
                 <a:spcPct val="0"/>
               </a:spcBef>
@@ -4599,21 +4602,21 @@
                 <a:spcPct val="0"/>
               </a:spcAft>
             </a:pPr>
-            <a:r xmlns:a="http://schemas.openxmlformats.org/drawingml/2006/main">
+            <a:r>
               <a:rPr lang="en" altLang="en-US" dirty="0">
                 <a:latin typeface="Segoe UI" panose="020B0502040204020203" pitchFamily="34" charset="0"/>
                 <a:cs typeface="Segoe UI" panose="020B0502040204020203" pitchFamily="34" charset="0"/>
               </a:rPr>
               <a:t> </a:t>
             </a:r>
-            <a:r xmlns:a="http://schemas.openxmlformats.org/drawingml/2006/main">
+            <a:r>
               <a:rPr lang="en" altLang="en-US" dirty="0" smtClean="0">
                 <a:latin typeface="Segoe UI" panose="020B0502040204020203" pitchFamily="34" charset="0"/>
                 <a:cs typeface="Segoe UI" panose="020B0502040204020203" pitchFamily="34" charset="0"/>
               </a:rPr>
               <a:t> </a:t>
             </a:r>
-            <a:r xmlns:a="http://schemas.openxmlformats.org/drawingml/2006/main">
+            <a:r>
               <a:rPr kumimoji="0" lang="en" altLang="en-US" b="0" i="0" u="none" strike="noStrike" cap="none" normalizeH="0" baseline="0" dirty="0" smtClean="0">
                 <a:ln>
                   <a:noFill/>
@@ -4759,14 +4762,14 @@
           </a:bodyPr>
           <a:lstStyle/>
           <a:p>
-            <a:r xmlns:a="http://schemas.openxmlformats.org/drawingml/2006/main">
+            <a:r>
               <a:rPr lang="en" sz="2000" b="1" dirty="0" smtClean="0">
                 <a:latin typeface="Segoe UI" panose="020B0502040204020203" pitchFamily="34" charset="0"/>
                 <a:cs typeface="Segoe UI" panose="020B0502040204020203" pitchFamily="34" charset="0"/>
               </a:rPr>
               <a:t>Understanding Crossfilter Directions</a:t>
             </a:r>
-            <a:endParaRPr xmlns:a="http://schemas.openxmlformats.org/drawingml/2006/main" lang="fr-FR" sz="2000" b="1" dirty="0">
+            <a:endParaRPr lang="fr-FR" sz="2000" b="1" dirty="0">
               <a:latin typeface="Segoe UI" panose="020B0502040204020203" pitchFamily="34" charset="0"/>
               <a:cs typeface="Segoe UI" panose="020B0502040204020203" pitchFamily="34" charset="0"/>
             </a:endParaRPr>
@@ -4794,7 +4797,7 @@
           </a:bodyPr>
           <a:lstStyle/>
           <a:p>
-            <a:pPr xmlns:a="http://schemas.openxmlformats.org/drawingml/2006/main">
+            <a:pPr>
               <a:lnSpc>
                 <a:spcPct val="107000"/>
               </a:lnSpc>
@@ -4805,15 +4808,15 @@
                 <a:spcPts val="0"/>
               </a:spcAft>
             </a:pPr>
-            <a:r xmlns:a="http://schemas.openxmlformats.org/drawingml/2006/main">
+            <a:r>
               <a:rPr lang="en" sz="2000" dirty="0" smtClean="0"/>
               <a:t>The filter can be specified with the DAX </a:t>
             </a:r>
-            <a:r xmlns:a="http://schemas.openxmlformats.org/drawingml/2006/main">
+            <a:r>
               <a:rPr lang="en" sz="2000" b="1" dirty="0" smtClean="0"/>
               <a:t>CROSSFILTER formula</a:t>
             </a:r>
-            <a:endParaRPr xmlns:a="http://schemas.openxmlformats.org/drawingml/2006/main" lang="en-US" sz="3200" b="1" kern="0" dirty="0">
+            <a:endParaRPr lang="en-US" sz="3200" b="1" kern="0" dirty="0">
               <a:effectLst/>
               <a:latin typeface="Segoe UI" panose="020B0502040204020203" pitchFamily="34" charset="0"/>
               <a:ea typeface="Times New Roman" panose="02020603050405020304" pitchFamily="18" charset="0"/>
@@ -4866,7 +4869,7 @@
           </a:bodyPr>
           <a:lstStyle/>
           <a:p>
-            <a:r xmlns:a="http://schemas.openxmlformats.org/drawingml/2006/main">
+            <a:r>
               <a:rPr lang="en" dirty="0">
                 <a:solidFill>
                   <a:srgbClr val="3165BB"/>
@@ -4875,7 +4878,7 @@
               </a:rPr>
               <a:t>CROSSFILTER </a:t>
             </a:r>
-            <a:r xmlns:a="http://schemas.openxmlformats.org/drawingml/2006/main">
+            <a:r>
               <a:rPr lang="en" dirty="0">
                 <a:solidFill>
                   <a:srgbClr val="000000"/>
@@ -4884,7 +4887,7 @@
               </a:rPr>
               <a:t>( </a:t>
             </a:r>
-            <a:r xmlns:a="http://schemas.openxmlformats.org/drawingml/2006/main">
+            <a:r>
               <a:rPr lang="en" dirty="0" err="1">
                 <a:solidFill>
                   <a:srgbClr val="000000"/>
@@ -4893,7 +4896,7 @@
               </a:rPr>
               <a:t>DimProduct </a:t>
             </a:r>
-            <a:r xmlns:a="http://schemas.openxmlformats.org/drawingml/2006/main">
+            <a:r>
               <a:rPr lang="en" dirty="0">
                 <a:solidFill>
                   <a:srgbClr val="000000"/>
@@ -4902,7 +4905,7 @@
               </a:rPr>
               <a:t>[ </a:t>
             </a:r>
-            <a:r xmlns:a="http://schemas.openxmlformats.org/drawingml/2006/main">
+            <a:r>
               <a:rPr lang="en" dirty="0" err="1">
                 <a:solidFill>
                   <a:srgbClr val="000000"/>
@@ -4911,7 +4914,7 @@
               </a:rPr>
               <a:t>ProductID </a:t>
             </a:r>
-            <a:r xmlns:a="http://schemas.openxmlformats.org/drawingml/2006/main">
+            <a:r>
               <a:rPr lang="en" dirty="0">
                 <a:solidFill>
                   <a:srgbClr val="000000"/>
@@ -4920,7 +4923,7 @@
               </a:rPr>
               <a:t>], FactSales[ </a:t>
             </a:r>
-            <a:r xmlns:a="http://schemas.openxmlformats.org/drawingml/2006/main">
+            <a:r>
               <a:rPr lang="en" dirty="0" err="1">
                 <a:solidFill>
                   <a:srgbClr val="000000"/>
@@ -4929,7 +4932,7 @@
               </a:rPr>
               <a:t>ProductID </a:t>
             </a:r>
-            <a:r xmlns:a="http://schemas.openxmlformats.org/drawingml/2006/main">
+            <a:r>
               <a:rPr lang="en" dirty="0">
                 <a:solidFill>
                   <a:srgbClr val="000000"/>
@@ -4938,7 +4941,7 @@
               </a:rPr>
               <a:t>], BOTH)</a:t>
             </a:r>
-            <a:endParaRPr xmlns:a="http://schemas.openxmlformats.org/drawingml/2006/main" lang="en-US" b="0" dirty="0">
+            <a:endParaRPr lang="en-US" b="0" dirty="0">
               <a:solidFill>
                 <a:srgbClr val="000000"/>
               </a:solidFill>
@@ -4969,7 +4972,7 @@
           </a:bodyPr>
           <a:lstStyle/>
           <a:p>
-            <a:r xmlns:a="http://schemas.openxmlformats.org/drawingml/2006/main">
+            <a:r>
               <a:rPr lang="en" dirty="0" smtClean="0">
                 <a:solidFill>
                   <a:srgbClr val="3165BB"/>
@@ -4978,7 +4981,7 @@
               </a:rPr>
               <a:t>CROSSFILTER </a:t>
             </a:r>
-            <a:r xmlns:a="http://schemas.openxmlformats.org/drawingml/2006/main">
+            <a:r>
               <a:rPr lang="en" dirty="0" smtClean="0">
                 <a:solidFill>
                   <a:srgbClr val="000000"/>
@@ -4987,7 +4990,7 @@
               </a:rPr>
               <a:t>( </a:t>
             </a:r>
-            <a:r xmlns:a="http://schemas.openxmlformats.org/drawingml/2006/main">
+            <a:r>
               <a:rPr lang="en" dirty="0" err="1" smtClean="0">
                 <a:solidFill>
                   <a:srgbClr val="000000"/>
@@ -4996,7 +4999,7 @@
               </a:rPr>
               <a:t>DimSupplier </a:t>
             </a:r>
-            <a:r xmlns:a="http://schemas.openxmlformats.org/drawingml/2006/main">
+            <a:r>
               <a:rPr lang="en" dirty="0" smtClean="0">
                 <a:solidFill>
                   <a:srgbClr val="000000"/>
@@ -5005,7 +5008,7 @@
               </a:rPr>
               <a:t>[ </a:t>
             </a:r>
-            <a:r xmlns:a="http://schemas.openxmlformats.org/drawingml/2006/main">
+            <a:r>
               <a:rPr lang="en" dirty="0" err="1" smtClean="0">
                 <a:solidFill>
                   <a:srgbClr val="000000"/>
@@ -5014,7 +5017,7 @@
               </a:rPr>
               <a:t>SupplierID </a:t>
             </a:r>
-            <a:r xmlns:a="http://schemas.openxmlformats.org/drawingml/2006/main">
+            <a:r>
               <a:rPr lang="en" dirty="0">
                 <a:solidFill>
                   <a:srgbClr val="000000"/>
@@ -5023,7 +5026,7 @@
               </a:rPr>
               <a:t>], </a:t>
             </a:r>
-            <a:r xmlns:a="http://schemas.openxmlformats.org/drawingml/2006/main">
+            <a:r>
               <a:rPr lang="en" dirty="0" smtClean="0">
                 <a:solidFill>
                   <a:srgbClr val="000000"/>
@@ -5032,7 +5035,7 @@
               </a:rPr>
               <a:t>FactSales[ </a:t>
             </a:r>
-            <a:r xmlns:a="http://schemas.openxmlformats.org/drawingml/2006/main">
+            <a:r>
               <a:rPr lang="en" dirty="0" err="1" smtClean="0">
                 <a:solidFill>
                   <a:srgbClr val="000000"/>
@@ -5041,7 +5044,7 @@
               </a:rPr>
               <a:t>SupplierID </a:t>
             </a:r>
-            <a:r xmlns:a="http://schemas.openxmlformats.org/drawingml/2006/main">
+            <a:r>
               <a:rPr lang="en" dirty="0">
                 <a:solidFill>
                   <a:srgbClr val="000000"/>
@@ -5050,7 +5053,7 @@
               </a:rPr>
               <a:t>], BOTH)</a:t>
             </a:r>
-            <a:endParaRPr xmlns:a="http://schemas.openxmlformats.org/drawingml/2006/main" lang="en-US" b="0" dirty="0">
+            <a:endParaRPr lang="en-US" b="0" dirty="0">
               <a:solidFill>
                 <a:srgbClr val="000000"/>
               </a:solidFill>
@@ -5264,14 +5267,14 @@
           </a:bodyPr>
           <a:lstStyle/>
           <a:p>
-            <a:r xmlns:a="http://schemas.openxmlformats.org/drawingml/2006/main">
+            <a:r>
               <a:rPr lang="en" sz="2000" b="1" dirty="0" smtClean="0">
                 <a:latin typeface="Segoe UI" panose="020B0502040204020203" pitchFamily="34" charset="0"/>
                 <a:cs typeface="Segoe UI" panose="020B0502040204020203" pitchFamily="34" charset="0"/>
               </a:rPr>
               <a:t>Understanding Crossfilter Directions</a:t>
             </a:r>
-            <a:endParaRPr xmlns:a="http://schemas.openxmlformats.org/drawingml/2006/main" lang="fr-FR" sz="2000" b="1" dirty="0">
+            <a:endParaRPr lang="fr-FR" sz="2000" b="1" dirty="0">
               <a:latin typeface="Segoe UI" panose="020B0502040204020203" pitchFamily="34" charset="0"/>
               <a:cs typeface="Segoe UI" panose="020B0502040204020203" pitchFamily="34" charset="0"/>
             </a:endParaRPr>
@@ -5299,23 +5302,23 @@
           </a:bodyPr>
           <a:lstStyle/>
           <a:p>
-            <a:r xmlns:a="http://schemas.openxmlformats.org/drawingml/2006/main">
+            <a:r>
               <a:rPr lang="en" dirty="0" smtClean="0"/>
               <a:t>In</a:t>
             </a:r>
-            <a:r xmlns:a="http://schemas.openxmlformats.org/drawingml/2006/main">
+            <a:r>
               <a:rPr lang="en" b="1" dirty="0" smtClean="0"/>
               <a:t> </a:t>
             </a:r>
-            <a:r xmlns:a="http://schemas.openxmlformats.org/drawingml/2006/main">
+            <a:r>
               <a:rPr lang="en" b="1" dirty="0" err="1"/>
               <a:t>DimSupplier </a:t>
             </a:r>
-            <a:r xmlns:a="http://schemas.openxmlformats.org/drawingml/2006/main">
+            <a:r>
               <a:rPr lang="en" dirty="0"/>
               <a:t>to count the number of suppliers with sales above a threshold (eg: 400).</a:t>
             </a:r>
-            <a:endParaRPr xmlns:a="http://schemas.openxmlformats.org/drawingml/2006/main" lang="en-US" dirty="0"/>
+            <a:endParaRPr lang="en-US" dirty="0"/>
           </a:p>
         </p:txBody>
       </p:sp>
@@ -5340,55 +5343,55 @@
           </a:bodyPr>
           <a:lstStyle/>
           <a:p>
-            <a:r xmlns:a="http://schemas.openxmlformats.org/drawingml/2006/main">
+            <a:r>
               <a:rPr lang="en" dirty="0"/>
               <a:t>Count Suppliers Above 400 = CALCULATE( COUNT( </a:t>
             </a:r>
-            <a:r xmlns:a="http://schemas.openxmlformats.org/drawingml/2006/main">
+            <a:r>
               <a:rPr lang="en" dirty="0" err="1"/>
               <a:t>DimSupplier </a:t>
             </a:r>
-            <a:r xmlns:a="http://schemas.openxmlformats.org/drawingml/2006/main">
+            <a:r>
               <a:rPr lang="en" dirty="0"/>
               <a:t>[ </a:t>
             </a:r>
-            <a:r xmlns:a="http://schemas.openxmlformats.org/drawingml/2006/main">
+            <a:r>
               <a:rPr lang="en" dirty="0" err="1"/>
               <a:t>SupplierID </a:t>
             </a:r>
-            <a:r xmlns:a="http://schemas.openxmlformats.org/drawingml/2006/main">
+            <a:r>
               <a:rPr lang="en" dirty="0"/>
               <a:t>]), FILTER(FactSales, FactSales[ </a:t>
             </a:r>
-            <a:r xmlns:a="http://schemas.openxmlformats.org/drawingml/2006/main">
+            <a:r>
               <a:rPr lang="en" dirty="0" err="1"/>
               <a:t>SalesAmount </a:t>
             </a:r>
-            <a:r xmlns:a="http://schemas.openxmlformats.org/drawingml/2006/main">
+            <a:r>
               <a:rPr lang="en" dirty="0"/>
               <a:t>] &gt; 400), CROSSFILTER( </a:t>
             </a:r>
-            <a:r xmlns:a="http://schemas.openxmlformats.org/drawingml/2006/main">
+            <a:r>
               <a:rPr lang="en" dirty="0" err="1"/>
               <a:t>DimSupplier </a:t>
             </a:r>
-            <a:r xmlns:a="http://schemas.openxmlformats.org/drawingml/2006/main">
+            <a:r>
               <a:rPr lang="en" dirty="0"/>
               <a:t>[ </a:t>
             </a:r>
-            <a:r xmlns:a="http://schemas.openxmlformats.org/drawingml/2006/main">
+            <a:r>
               <a:rPr lang="en" dirty="0" err="1"/>
               <a:t>SupplierID </a:t>
             </a:r>
-            <a:r xmlns:a="http://schemas.openxmlformats.org/drawingml/2006/main">
+            <a:r>
               <a:rPr lang="en" dirty="0"/>
               <a:t>], FactSales[ </a:t>
             </a:r>
-            <a:r xmlns:a="http://schemas.openxmlformats.org/drawingml/2006/main">
+            <a:r>
               <a:rPr lang="en" dirty="0" err="1"/>
               <a:t>SupplierID </a:t>
             </a:r>
-            <a:r xmlns:a="http://schemas.openxmlformats.org/drawingml/2006/main">
+            <a:r>
               <a:rPr lang="en" dirty="0"/>
               <a:t>], BOTH))</a:t>
             </a:r>
@@ -5416,27 +5419,27 @@
           </a:bodyPr>
           <a:lstStyle/>
           <a:p>
-            <a:r xmlns:a="http://schemas.openxmlformats.org/drawingml/2006/main">
+            <a:r>
               <a:rPr lang="en" dirty="0" smtClean="0"/>
               <a:t>In</a:t>
             </a:r>
-            <a:r xmlns:a="http://schemas.openxmlformats.org/drawingml/2006/main">
+            <a:r>
               <a:rPr lang="en" b="1" dirty="0" smtClean="0"/>
               <a:t> </a:t>
             </a:r>
-            <a:r xmlns:a="http://schemas.openxmlformats.org/drawingml/2006/main">
+            <a:r>
               <a:rPr lang="en" b="1" dirty="0" err="1" smtClean="0"/>
               <a:t>DimProduct</a:t>
             </a:r>
-            <a:r xmlns:a="http://schemas.openxmlformats.org/drawingml/2006/main">
+            <a:r>
               <a:rPr lang="en" dirty="0" smtClean="0"/>
               <a:t> </a:t>
             </a:r>
-            <a:r xmlns:a="http://schemas.openxmlformats.org/drawingml/2006/main">
+            <a:r>
               <a:rPr lang="en" dirty="0"/>
               <a:t>to count the number of suppliers with sales above a threshold (eg: 400).</a:t>
             </a:r>
-            <a:endParaRPr xmlns:a="http://schemas.openxmlformats.org/drawingml/2006/main" lang="en-US" dirty="0"/>
+            <a:endParaRPr lang="en-US" dirty="0"/>
           </a:p>
         </p:txBody>
       </p:sp>
@@ -5461,55 +5464,55 @@
           </a:bodyPr>
           <a:lstStyle/>
           <a:p>
-            <a:r xmlns:a="http://schemas.openxmlformats.org/drawingml/2006/main">
+            <a:r>
               <a:rPr lang="en" dirty="0"/>
               <a:t>Count Products Above 400 = CALCULATE( COUNT( </a:t>
             </a:r>
-            <a:r xmlns:a="http://schemas.openxmlformats.org/drawingml/2006/main">
+            <a:r>
               <a:rPr lang="en" dirty="0" err="1"/>
               <a:t>DimProduct </a:t>
             </a:r>
-            <a:r xmlns:a="http://schemas.openxmlformats.org/drawingml/2006/main">
+            <a:r>
               <a:rPr lang="en" dirty="0"/>
               <a:t>[ </a:t>
             </a:r>
-            <a:r xmlns:a="http://schemas.openxmlformats.org/drawingml/2006/main">
+            <a:r>
               <a:rPr lang="en" dirty="0" err="1"/>
               <a:t>ProductID </a:t>
             </a:r>
-            <a:r xmlns:a="http://schemas.openxmlformats.org/drawingml/2006/main">
+            <a:r>
               <a:rPr lang="en" dirty="0"/>
               <a:t>]), FILTER(FactSales, FactSales[ </a:t>
             </a:r>
-            <a:r xmlns:a="http://schemas.openxmlformats.org/drawingml/2006/main">
+            <a:r>
               <a:rPr lang="en" dirty="0" err="1"/>
               <a:t>SalesAmount </a:t>
             </a:r>
-            <a:r xmlns:a="http://schemas.openxmlformats.org/drawingml/2006/main">
+            <a:r>
               <a:rPr lang="en" dirty="0"/>
               <a:t>] &gt; 400), CROSSFILTER( </a:t>
             </a:r>
-            <a:r xmlns:a="http://schemas.openxmlformats.org/drawingml/2006/main">
+            <a:r>
               <a:rPr lang="en" dirty="0" err="1"/>
               <a:t>DimProduct </a:t>
             </a:r>
-            <a:r xmlns:a="http://schemas.openxmlformats.org/drawingml/2006/main">
+            <a:r>
               <a:rPr lang="en" dirty="0"/>
               <a:t>[ </a:t>
             </a:r>
-            <a:r xmlns:a="http://schemas.openxmlformats.org/drawingml/2006/main">
+            <a:r>
               <a:rPr lang="en" dirty="0" err="1"/>
               <a:t>ProductID </a:t>
             </a:r>
-            <a:r xmlns:a="http://schemas.openxmlformats.org/drawingml/2006/main">
+            <a:r>
               <a:rPr lang="en" dirty="0"/>
               <a:t>], FactSales[ </a:t>
             </a:r>
-            <a:r xmlns:a="http://schemas.openxmlformats.org/drawingml/2006/main">
+            <a:r>
               <a:rPr lang="en" dirty="0" err="1"/>
               <a:t>ProductID </a:t>
             </a:r>
-            <a:r xmlns:a="http://schemas.openxmlformats.org/drawingml/2006/main">
+            <a:r>
               <a:rPr lang="en" dirty="0"/>
               <a:t>], BOTH))</a:t>
             </a:r>
@@ -5568,14 +5571,14 @@
           </a:bodyPr>
           <a:lstStyle/>
           <a:p>
-            <a:r xmlns:a="http://schemas.openxmlformats.org/drawingml/2006/main">
+            <a:r>
               <a:rPr lang="en" sz="2000" b="1" dirty="0" smtClean="0">
                 <a:latin typeface="Segoe UI" panose="020B0502040204020203" pitchFamily="34" charset="0"/>
                 <a:cs typeface="Segoe UI" panose="020B0502040204020203" pitchFamily="34" charset="0"/>
               </a:rPr>
               <a:t>Understanding Crossfilter Directions</a:t>
             </a:r>
-            <a:endParaRPr xmlns:a="http://schemas.openxmlformats.org/drawingml/2006/main" lang="fr-FR" sz="2000" b="1" dirty="0">
+            <a:endParaRPr lang="fr-FR" sz="2000" b="1" dirty="0">
               <a:latin typeface="Segoe UI" panose="020B0502040204020203" pitchFamily="34" charset="0"/>
               <a:cs typeface="Segoe UI" panose="020B0502040204020203" pitchFamily="34" charset="0"/>
             </a:endParaRPr>
@@ -5641,7 +5644,7 @@
           </a:bodyPr>
           <a:lstStyle/>
           <a:p>
-            <a:pPr xmlns:a="http://schemas.openxmlformats.org/drawingml/2006/main" marL="0" marR="0" lvl="0" indent="0" algn="l" defTabSz="914400" rtl="0" eaLnBrk="0" fontAlgn="base" latinLnBrk="0" hangingPunct="0">
+            <a:pPr marL="0" marR="0" lvl="0" indent="0" algn="l" defTabSz="914400" rtl="0" eaLnBrk="0" fontAlgn="base" latinLnBrk="0" hangingPunct="0">
               <a:lnSpc>
                 <a:spcPct val="100000"/>
               </a:lnSpc>
@@ -5657,7 +5660,7 @@
               <a:buNone/>
               <a:tabLst/>
             </a:pPr>
-            <a:r xmlns:a="http://schemas.openxmlformats.org/drawingml/2006/main">
+            <a:r>
               <a:rPr kumimoji="0" lang="en" altLang="en-US" b="1" i="0" u="none" strike="noStrike" cap="none" normalizeH="0" baseline="0" dirty="0" smtClean="0">
                 <a:ln>
                   <a:noFill/>
@@ -5671,7 +5674,7 @@
               </a:rPr>
               <a:t>Expected effect:</a:t>
             </a:r>
-            <a:endParaRPr xmlns:a="http://schemas.openxmlformats.org/drawingml/2006/main" kumimoji="0" lang="fr-FR" altLang="en-US" b="0" i="0" u="none" strike="noStrike" cap="none" normalizeH="0" baseline="0" dirty="0" smtClean="0">
+            <a:endParaRPr kumimoji="0" lang="fr-FR" altLang="en-US" b="0" i="0" u="none" strike="noStrike" cap="none" normalizeH="0" baseline="0" dirty="0" smtClean="0">
               <a:ln>
                 <a:noFill/>
               </a:ln>
@@ -5684,7 +5687,7 @@
             </a:endParaRPr>
           </a:p>
           <a:p>
-            <a:pPr xmlns:a="http://schemas.openxmlformats.org/drawingml/2006/main" marL="0" marR="0" lvl="0" indent="0" algn="l" defTabSz="914400" rtl="0" eaLnBrk="0" fontAlgn="base" latinLnBrk="0" hangingPunct="0">
+            <a:pPr marL="0" marR="0" lvl="0" indent="0" algn="l" defTabSz="914400" rtl="0" eaLnBrk="0" fontAlgn="base" latinLnBrk="0" hangingPunct="0">
               <a:lnSpc>
                 <a:spcPct val="100000"/>
               </a:lnSpc>
@@ -5700,7 +5703,7 @@
               <a:buChar char="•"/>
               <a:tabLst/>
             </a:pPr>
-            <a:r xmlns:a="http://schemas.openxmlformats.org/drawingml/2006/main">
+            <a:r>
               <a:rPr kumimoji="0" lang="en" altLang="en-US" b="1" i="0" u="none" strike="noStrike" cap="none" normalizeH="0" baseline="0" dirty="0" smtClean="0">
                 <a:ln>
                   <a:noFill/>
@@ -5714,7 +5717,7 @@
               </a:rPr>
               <a:t>Single Direction </a:t>
             </a:r>
-            <a:r xmlns:a="http://schemas.openxmlformats.org/drawingml/2006/main">
+            <a:r>
               <a:rPr kumimoji="0" lang="en" altLang="en-US" b="0" i="0" u="none" strike="noStrike" cap="none" normalizeH="0" baseline="0" dirty="0" smtClean="0">
                 <a:ln>
                   <a:noFill/>
@@ -5726,9 +5729,23 @@
                 <a:latin typeface="Segoe UI" panose="020B0502040204020203" pitchFamily="34" charset="0"/>
                 <a:cs typeface="Segoe UI" panose="020B0502040204020203" pitchFamily="34" charset="0"/>
               </a:rPr>
-              <a:t>mode </a:t>
-            </a:r>
-            <a:r xmlns:a="http://schemas.openxmlformats.org/drawingml/2006/main">
+              <a:t>mode , this metric will return </a:t>
+            </a:r>
+            <a:r>
+              <a:rPr kumimoji="0" lang="en" altLang="en-US" i="0" u="sng" strike="noStrike" cap="none" normalizeH="0" baseline="0" dirty="0" smtClean="0">
+                <a:ln>
+                  <a:noFill/>
+                </a:ln>
+                <a:solidFill>
+                  <a:schemeClr val="tx1"/>
+                </a:solidFill>
+                <a:effectLst/>
+                <a:latin typeface="Segoe UI" panose="020B0502040204020203" pitchFamily="34" charset="0"/>
+                <a:cs typeface="Segoe UI" panose="020B0502040204020203" pitchFamily="34" charset="0"/>
+              </a:rPr>
+              <a:t>the total number of suppliers </a:t>
+            </a:r>
+            <a:r>
               <a:rPr kumimoji="0" lang="en" altLang="en-US" b="0" i="0" u="none" strike="noStrike" cap="none" normalizeH="0" baseline="0" dirty="0" smtClean="0">
                 <a:ln>
                   <a:noFill/>
@@ -5740,23 +5757,23 @@
                 <a:latin typeface="Segoe UI" panose="020B0502040204020203" pitchFamily="34" charset="0"/>
                 <a:cs typeface="Segoe UI" panose="020B0502040204020203" pitchFamily="34" charset="0"/>
               </a:rPr>
-              <a:t>, this metric will return </a:t>
-            </a:r>
-            <a:r xmlns:a="http://schemas.openxmlformats.org/drawingml/2006/main">
-              <a:rPr kumimoji="0" lang="en" altLang="en-US" i="0" u="sng" strike="noStrike" cap="none" normalizeH="0" baseline="0" dirty="0" smtClean="0">
-                <a:ln>
-                  <a:noFill/>
-                </a:ln>
-                <a:solidFill>
-                  <a:schemeClr val="tx1"/>
-                </a:solidFill>
-                <a:effectLst/>
-                <a:latin typeface="Segoe UI" panose="020B0502040204020203" pitchFamily="34" charset="0"/>
-                <a:cs typeface="Segoe UI" panose="020B0502040204020203" pitchFamily="34" charset="0"/>
-              </a:rPr>
-              <a:t>the total number of suppliers </a:t>
-            </a:r>
-            <a:r xmlns:a="http://schemas.openxmlformats.org/drawingml/2006/main">
+              <a:t>, as </a:t>
+            </a:r>
+            <a:r>
+              <a:rPr kumimoji="0" lang="en" altLang="en-US" b="1" i="0" u="none" strike="noStrike" cap="none" normalizeH="0" baseline="0" dirty="0" smtClean="0">
+                <a:ln>
+                  <a:noFill/>
+                </a:ln>
+                <a:solidFill>
+                  <a:schemeClr val="tx1"/>
+                </a:solidFill>
+                <a:effectLst/>
+                <a:latin typeface="Segoe UI" panose="020B0502040204020203" pitchFamily="34" charset="0"/>
+                <a:cs typeface="Segoe UI" panose="020B0502040204020203" pitchFamily="34" charset="0"/>
+              </a:rPr>
+              <a:t>FactSales</a:t>
+            </a:r>
+            <a:r>
               <a:rPr kumimoji="0" lang="en" altLang="en-US" b="0" i="0" u="none" strike="noStrike" cap="none" normalizeH="0" baseline="0" dirty="0" smtClean="0">
                 <a:ln>
                   <a:noFill/>
@@ -5768,39 +5785,11 @@
                 <a:latin typeface="Segoe UI" panose="020B0502040204020203" pitchFamily="34" charset="0"/>
                 <a:cs typeface="Segoe UI" panose="020B0502040204020203" pitchFamily="34" charset="0"/>
               </a:rPr>
-              <a:t>, as </a:t>
-            </a:r>
-            <a:r xmlns:a="http://schemas.openxmlformats.org/drawingml/2006/main">
-              <a:rPr kumimoji="0" lang="en" altLang="en-US" b="1" i="0" u="none" strike="noStrike" cap="none" normalizeH="0" baseline="0" dirty="0" smtClean="0">
-                <a:ln>
-                  <a:noFill/>
-                </a:ln>
-                <a:solidFill>
-                  <a:schemeClr val="tx1"/>
-                </a:solidFill>
-                <a:effectLst/>
-                <a:latin typeface="Segoe UI" panose="020B0502040204020203" pitchFamily="34" charset="0"/>
-                <a:cs typeface="Segoe UI" panose="020B0502040204020203" pitchFamily="34" charset="0"/>
-              </a:rPr>
-              <a:t>FactSales</a:t>
-            </a:r>
-            <a:r xmlns:a="http://schemas.openxmlformats.org/drawingml/2006/main">
-              <a:rPr kumimoji="0" lang="en" altLang="en-US" b="0" i="0" u="none" strike="noStrike" cap="none" normalizeH="0" baseline="0" dirty="0" smtClean="0">
-                <a:ln>
-                  <a:noFill/>
-                </a:ln>
-                <a:solidFill>
-                  <a:schemeClr val="tx1"/>
-                </a:solidFill>
-                <a:effectLst/>
-                <a:latin typeface="Segoe UI" panose="020B0502040204020203" pitchFamily="34" charset="0"/>
-                <a:cs typeface="Segoe UI" panose="020B0502040204020203" pitchFamily="34" charset="0"/>
-              </a:rPr>
               <a:t> </a:t>
             </a:r>
           </a:p>
           <a:p>
-            <a:pPr xmlns:a="http://schemas.openxmlformats.org/drawingml/2006/main" marL="0" marR="0" lvl="0" indent="0" algn="l" defTabSz="914400" rtl="0" eaLnBrk="0" fontAlgn="base" latinLnBrk="0" hangingPunct="0">
+            <a:pPr marL="0" marR="0" lvl="0" indent="0" algn="l" defTabSz="914400" rtl="0" eaLnBrk="0" fontAlgn="base" latinLnBrk="0" hangingPunct="0">
               <a:lnSpc>
                 <a:spcPct val="100000"/>
               </a:lnSpc>
@@ -5814,14 +5803,14 @@
               <a:buSzTx/>
               <a:tabLst/>
             </a:pPr>
-            <a:r xmlns:a="http://schemas.openxmlformats.org/drawingml/2006/main">
+            <a:r>
               <a:rPr lang="en" altLang="en-US" dirty="0" smtClean="0">
                 <a:latin typeface="Segoe UI" panose="020B0502040204020203" pitchFamily="34" charset="0"/>
                 <a:cs typeface="Segoe UI" panose="020B0502040204020203" pitchFamily="34" charset="0"/>
               </a:rPr>
               <a:t> </a:t>
             </a:r>
-            <a:r xmlns:a="http://schemas.openxmlformats.org/drawingml/2006/main">
+            <a:r>
               <a:rPr kumimoji="0" lang="en" altLang="en-US" i="0" u="none" strike="noStrike" cap="none" normalizeH="0" baseline="0" dirty="0" smtClean="0">
                 <a:ln>
                   <a:noFill/>
@@ -5835,7 +5824,7 @@
               </a:rPr>
               <a:t>cannot filter </a:t>
             </a:r>
-            <a:r xmlns:a="http://schemas.openxmlformats.org/drawingml/2006/main">
+            <a:r>
               <a:rPr kumimoji="0" lang="en" altLang="en-US" b="1" i="0" u="none" strike="noStrike" cap="none" normalizeH="0" baseline="0" dirty="0" err="1" smtClean="0">
                 <a:ln>
                   <a:noFill/>
@@ -5849,7 +5838,7 @@
               </a:rPr>
               <a:t>DimSupplier </a:t>
             </a:r>
-            <a:r xmlns:a="http://schemas.openxmlformats.org/drawingml/2006/main">
+            <a:r>
               <a:rPr kumimoji="0" lang="en" altLang="en-US" b="0" i="0" u="none" strike="noStrike" cap="none" normalizeH="0" baseline="0" dirty="0" smtClean="0">
                 <a:ln>
                   <a:noFill/>
@@ -5865,7 +5854,7 @@
             </a:r>
           </a:p>
           <a:p>
-            <a:pPr xmlns:a="http://schemas.openxmlformats.org/drawingml/2006/main" marL="0" marR="0" lvl="0" indent="0" algn="l" defTabSz="914400" rtl="0" eaLnBrk="0" fontAlgn="base" latinLnBrk="0" hangingPunct="0">
+            <a:pPr marL="0" marR="0" lvl="0" indent="0" algn="l" defTabSz="914400" rtl="0" eaLnBrk="0" fontAlgn="base" latinLnBrk="0" hangingPunct="0">
               <a:lnSpc>
                 <a:spcPct val="100000"/>
               </a:lnSpc>
@@ -5881,7 +5870,7 @@
               <a:buChar char="•"/>
               <a:tabLst/>
             </a:pPr>
-            <a:r xmlns:a="http://schemas.openxmlformats.org/drawingml/2006/main">
+            <a:r>
               <a:rPr kumimoji="0" lang="en" altLang="en-US" b="0" i="0" u="none" strike="noStrike" cap="none" normalizeH="0" baseline="0" dirty="0" smtClean="0">
                 <a:ln>
                   <a:noFill/>
@@ -5895,7 +5884,7 @@
               </a:rPr>
               <a:t>In </a:t>
             </a:r>
-            <a:r xmlns:a="http://schemas.openxmlformats.org/drawingml/2006/main">
+            <a:r>
               <a:rPr kumimoji="0" lang="en" altLang="en-US" b="1" i="0" u="none" strike="noStrike" cap="none" normalizeH="0" baseline="0" dirty="0" err="1" smtClean="0">
                 <a:ln>
                   <a:noFill/>
@@ -5909,7 +5898,7 @@
               </a:rPr>
               <a:t>Both </a:t>
             </a:r>
-            <a:r xmlns:a="http://schemas.openxmlformats.org/drawingml/2006/main">
+            <a:r>
               <a:rPr kumimoji="0" lang="en" altLang="en-US" b="1" i="0" u="none" strike="noStrike" cap="none" normalizeH="0" baseline="0" dirty="0" smtClean="0">
                 <a:ln>
                   <a:noFill/>
@@ -5923,7 +5912,7 @@
               </a:rPr>
               <a:t>Direction mode </a:t>
             </a:r>
-            <a:r xmlns:a="http://schemas.openxmlformats.org/drawingml/2006/main">
+            <a:r>
               <a:rPr kumimoji="0" lang="en" altLang="en-US" b="0" i="0" u="none" strike="noStrike" cap="none" normalizeH="0" baseline="0" dirty="0" smtClean="0">
                 <a:ln>
                   <a:noFill/>
@@ -5937,7 +5926,7 @@
               </a:rPr>
               <a:t>, this metric will </a:t>
             </a:r>
-            <a:r xmlns:a="http://schemas.openxmlformats.org/drawingml/2006/main">
+            <a:r>
               <a:rPr kumimoji="0" lang="en" altLang="en-US" i="0" u="sng" strike="noStrike" cap="none" normalizeH="0" baseline="0" dirty="0" smtClean="0">
                 <a:ln>
                   <a:noFill/>
@@ -5953,7 +5942,7 @@
             </a:r>
           </a:p>
           <a:p>
-            <a:pPr xmlns:a="http://schemas.openxmlformats.org/drawingml/2006/main" marL="0" marR="0" lvl="0" indent="0" algn="l" defTabSz="914400" rtl="0" eaLnBrk="0" fontAlgn="base" latinLnBrk="0" hangingPunct="0">
+            <a:pPr marL="0" marR="0" lvl="0" indent="0" algn="l" defTabSz="914400" rtl="0" eaLnBrk="0" fontAlgn="base" latinLnBrk="0" hangingPunct="0">
               <a:lnSpc>
                 <a:spcPct val="100000"/>
               </a:lnSpc>
@@ -5967,14 +5956,14 @@
               <a:buSzTx/>
               <a:tabLst/>
             </a:pPr>
-            <a:r xmlns:a="http://schemas.openxmlformats.org/drawingml/2006/main">
+            <a:r>
               <a:rPr lang="en" altLang="en-US" u="sng" dirty="0" smtClean="0">
                 <a:latin typeface="Segoe UI" panose="020B0502040204020203" pitchFamily="34" charset="0"/>
                 <a:cs typeface="Segoe UI" panose="020B0502040204020203" pitchFamily="34" charset="0"/>
               </a:rPr>
               <a:t> </a:t>
             </a:r>
-            <a:r xmlns:a="http://schemas.openxmlformats.org/drawingml/2006/main">
+            <a:r>
               <a:rPr kumimoji="0" lang="en" altLang="en-US" i="0" u="sng" strike="noStrike" cap="none" normalizeH="0" baseline="0" dirty="0" smtClean="0">
                 <a:ln>
                   <a:noFill/>
@@ -5988,7 +5977,7 @@
               </a:rPr>
               <a:t>for more than 400 </a:t>
             </a:r>
-            <a:r xmlns:a="http://schemas.openxmlformats.org/drawingml/2006/main">
+            <a:r>
               <a:rPr kumimoji="0" lang="en" altLang="en-US" b="0" i="0" u="none" strike="noStrike" cap="none" normalizeH="0" baseline="0" dirty="0" smtClean="0">
                 <a:ln>
                   <a:noFill/>
@@ -6093,7 +6082,7 @@
           </a:bodyPr>
           <a:lstStyle/>
           <a:p>
-            <a:pPr xmlns:a="http://schemas.openxmlformats.org/drawingml/2006/main" marL="0" marR="0" lvl="0" indent="0" algn="l" defTabSz="914400" rtl="0" eaLnBrk="0" fontAlgn="base" latinLnBrk="0" hangingPunct="0">
+            <a:pPr marL="0" marR="0" lvl="0" indent="0" algn="l" defTabSz="914400" rtl="0" eaLnBrk="0" fontAlgn="base" latinLnBrk="0" hangingPunct="0">
               <a:lnSpc>
                 <a:spcPct val="100000"/>
               </a:lnSpc>
@@ -6109,7 +6098,7 @@
               <a:buNone/>
               <a:tabLst/>
             </a:pPr>
-            <a:r xmlns:a="http://schemas.openxmlformats.org/drawingml/2006/main">
+            <a:r>
               <a:rPr kumimoji="0" lang="en" altLang="en-US" b="1" i="0" u="none" strike="noStrike" cap="none" normalizeH="0" baseline="0" dirty="0" smtClean="0">
                 <a:ln>
                   <a:noFill/>
@@ -6123,7 +6112,7 @@
               </a:rPr>
               <a:t>How to test the effect of </a:t>
             </a:r>
-            <a:r xmlns:a="http://schemas.openxmlformats.org/drawingml/2006/main">
+            <a:r>
               <a:rPr kumimoji="0" lang="en" altLang="en-US" b="1" i="0" u="none" strike="noStrike" cap="none" normalizeH="0" baseline="0" dirty="0" err="1" smtClean="0">
                 <a:ln>
                   <a:noFill/>
@@ -6137,7 +6126,7 @@
               </a:rPr>
               <a:t>CrossFilter </a:t>
             </a:r>
-            <a:r xmlns:a="http://schemas.openxmlformats.org/drawingml/2006/main">
+            <a:r>
               <a:rPr kumimoji="0" lang="en" altLang="en-US" b="1" i="0" u="none" strike="noStrike" cap="none" normalizeH="0" baseline="0" dirty="0" smtClean="0">
                 <a:ln>
                   <a:noFill/>
@@ -6153,7 +6142,7 @@
             </a:r>
           </a:p>
           <a:p>
-            <a:pPr xmlns:a="http://schemas.openxmlformats.org/drawingml/2006/main" marL="285750" marR="0" lvl="0" indent="-285750" algn="l" defTabSz="914400" rtl="0" eaLnBrk="0" fontAlgn="base" latinLnBrk="0" hangingPunct="0">
+            <a:pPr marL="285750" marR="0" lvl="0" indent="-285750" algn="l" defTabSz="914400" rtl="0" eaLnBrk="0" fontAlgn="base" latinLnBrk="0" hangingPunct="0">
               <a:lnSpc>
                 <a:spcPct val="100000"/>
               </a:lnSpc>
@@ -6169,7 +6158,7 @@
               <a:buChar char="•"/>
               <a:tabLst/>
             </a:pPr>
-            <a:r xmlns:a="http://schemas.openxmlformats.org/drawingml/2006/main">
+            <a:r>
               <a:rPr kumimoji="0" lang="en" altLang="en-US" b="1" i="0" u="none" strike="noStrike" cap="none" normalizeH="0" baseline="0" dirty="0" err="1" smtClean="0">
                 <a:ln>
                   <a:noFill/>
@@ -6183,7 +6172,7 @@
               </a:rPr>
               <a:t>Create </a:t>
             </a:r>
-            <a:r xmlns:a="http://schemas.openxmlformats.org/drawingml/2006/main">
+            <a:r>
               <a:rPr kumimoji="0" lang="en" altLang="en-US" i="0" u="none" strike="noStrike" cap="none" normalizeH="0" baseline="0" dirty="0" smtClean="0">
                 <a:ln>
                   <a:noFill/>
@@ -6197,7 +6186,7 @@
               </a:rPr>
               <a:t>an array with </a:t>
             </a:r>
-            <a:r xmlns:a="http://schemas.openxmlformats.org/drawingml/2006/main">
+            <a:r>
               <a:rPr kumimoji="0" lang="en" altLang="en-US" b="1" i="0" u="none" strike="noStrike" cap="none" normalizeH="0" baseline="0" dirty="0" err="1" smtClean="0">
                 <a:ln>
                   <a:noFill/>
@@ -6211,7 +6200,7 @@
               </a:rPr>
               <a:t>DimSupplier </a:t>
             </a:r>
-            <a:r xmlns:a="http://schemas.openxmlformats.org/drawingml/2006/main">
+            <a:r>
               <a:rPr kumimoji="0" lang="en" altLang="en-US" b="1" i="0" u="none" strike="noStrike" cap="none" normalizeH="0" baseline="0" dirty="0" smtClean="0">
                 <a:ln>
                   <a:noFill/>
@@ -6225,7 +6214,7 @@
               </a:rPr>
               <a:t>[ </a:t>
             </a:r>
-            <a:r xmlns:a="http://schemas.openxmlformats.org/drawingml/2006/main">
+            <a:r>
               <a:rPr kumimoji="0" lang="en" altLang="en-US" b="1" i="0" u="none" strike="noStrike" cap="none" normalizeH="0" baseline="0" dirty="0" err="1" smtClean="0">
                 <a:ln>
                   <a:noFill/>
@@ -6239,7 +6228,7 @@
               </a:rPr>
               <a:t>SupplierName </a:t>
             </a:r>
-            <a:r xmlns:a="http://schemas.openxmlformats.org/drawingml/2006/main">
+            <a:r>
               <a:rPr kumimoji="0" lang="en" altLang="en-US" b="1" i="0" u="none" strike="noStrike" cap="none" normalizeH="0" baseline="0" dirty="0" smtClean="0">
                 <a:ln>
                   <a:noFill/>
@@ -6253,7 +6242,7 @@
               </a:rPr>
               <a:t>] </a:t>
             </a:r>
-            <a:r xmlns:a="http://schemas.openxmlformats.org/drawingml/2006/main">
+            <a:r>
               <a:rPr kumimoji="0" lang="en" altLang="en-US" i="0" u="none" strike="noStrike" cap="none" normalizeH="0" baseline="0" dirty="0" smtClean="0">
                 <a:ln>
                   <a:noFill/>
@@ -6267,7 +6256,7 @@
               </a:rPr>
               <a:t>and </a:t>
             </a:r>
-            <a:r xmlns:a="http://schemas.openxmlformats.org/drawingml/2006/main">
+            <a:r>
               <a:rPr kumimoji="0" lang="en" altLang="en-US" b="1" i="0" u="none" strike="noStrike" cap="none" normalizeH="0" baseline="0" dirty="0" smtClean="0">
                 <a:ln>
                   <a:noFill/>
@@ -6279,9 +6268,23 @@
                 <a:latin typeface="Segoe UI" panose="020B0502040204020203" pitchFamily="34" charset="0"/>
                 <a:cs typeface="Segoe UI" panose="020B0502040204020203" pitchFamily="34" charset="0"/>
               </a:rPr>
-              <a:t>CountSuppliers</a:t>
-            </a:r>
-            <a:r xmlns:a="http://schemas.openxmlformats.org/drawingml/2006/main">
+              <a:t>CountSuppliers </a:t>
+            </a:r>
+            <a:r>
+              <a:rPr kumimoji="0" lang="en" altLang="en-US" b="1" i="0" u="none" strike="noStrike" cap="none" normalizeH="0" baseline="0" dirty="0" err="1" smtClean="0">
+                <a:ln>
+                  <a:noFill/>
+                </a:ln>
+                <a:solidFill>
+                  <a:schemeClr val="tx1"/>
+                </a:solidFill>
+                <a:effectLst/>
+                <a:latin typeface="Segoe UI" panose="020B0502040204020203" pitchFamily="34" charset="0"/>
+                <a:cs typeface="Segoe UI" panose="020B0502040204020203" pitchFamily="34" charset="0"/>
+              </a:rPr>
+              <a:t>Above </a:t>
+            </a:r>
+            <a:r>
               <a:rPr kumimoji="0" lang="en" altLang="en-US" b="1" i="0" u="none" strike="noStrike" cap="none" normalizeH="0" baseline="0" dirty="0" smtClean="0">
                 <a:ln>
                   <a:noFill/>
@@ -6293,39 +6296,11 @@
                 <a:latin typeface="Segoe UI" panose="020B0502040204020203" pitchFamily="34" charset="0"/>
                 <a:cs typeface="Segoe UI" panose="020B0502040204020203" pitchFamily="34" charset="0"/>
               </a:rPr>
-              <a:t> </a:t>
-            </a:r>
-            <a:r xmlns:a="http://schemas.openxmlformats.org/drawingml/2006/main">
-              <a:rPr kumimoji="0" lang="en" altLang="en-US" b="1" i="0" u="none" strike="noStrike" cap="none" normalizeH="0" baseline="0" dirty="0" err="1" smtClean="0">
-                <a:ln>
-                  <a:noFill/>
-                </a:ln>
-                <a:solidFill>
-                  <a:schemeClr val="tx1"/>
-                </a:solidFill>
-                <a:effectLst/>
-                <a:latin typeface="Segoe UI" panose="020B0502040204020203" pitchFamily="34" charset="0"/>
-                <a:cs typeface="Segoe UI" panose="020B0502040204020203" pitchFamily="34" charset="0"/>
-              </a:rPr>
-              <a:t>Above </a:t>
-            </a:r>
-            <a:r xmlns:a="http://schemas.openxmlformats.org/drawingml/2006/main">
-              <a:rPr kumimoji="0" lang="en" altLang="en-US" b="1" i="0" u="none" strike="noStrike" cap="none" normalizeH="0" baseline="0" dirty="0" smtClean="0">
-                <a:ln>
-                  <a:noFill/>
-                </a:ln>
-                <a:solidFill>
-                  <a:schemeClr val="tx1"/>
-                </a:solidFill>
-                <a:effectLst/>
-                <a:latin typeface="Segoe UI" panose="020B0502040204020203" pitchFamily="34" charset="0"/>
-                <a:cs typeface="Segoe UI" panose="020B0502040204020203" pitchFamily="34" charset="0"/>
-              </a:rPr>
               <a:t>400</a:t>
             </a:r>
           </a:p>
           <a:p>
-            <a:pPr xmlns:a="http://schemas.openxmlformats.org/drawingml/2006/main" marL="285750" marR="0" lvl="0" indent="-285750" algn="l" defTabSz="914400" rtl="0" eaLnBrk="0" fontAlgn="base" latinLnBrk="0" hangingPunct="0">
+            <a:pPr marL="285750" marR="0" lvl="0" indent="-285750" algn="l" defTabSz="914400" rtl="0" eaLnBrk="0" fontAlgn="base" latinLnBrk="0" hangingPunct="0">
               <a:lnSpc>
                 <a:spcPct val="100000"/>
               </a:lnSpc>
@@ -6341,7 +6316,7 @@
               <a:buChar char="•"/>
               <a:tabLst/>
             </a:pPr>
-            <a:r xmlns:a="http://schemas.openxmlformats.org/drawingml/2006/main">
+            <a:r>
               <a:rPr kumimoji="0" lang="en" altLang="en-US" i="0" u="none" strike="noStrike" cap="none" normalizeH="0" baseline="0" dirty="0" smtClean="0">
                 <a:ln>
                   <a:noFill/>
@@ -6355,7 +6330,7 @@
               </a:rPr>
               <a:t>Compare the results by modifying the relationship</a:t>
             </a:r>
-            <a:r xmlns:a="http://schemas.openxmlformats.org/drawingml/2006/main">
+            <a:r>
               <a:rPr kumimoji="0" lang="en" altLang="en-US" b="1" i="0" u="none" strike="noStrike" cap="none" normalizeH="0" baseline="0" dirty="0" smtClean="0">
                 <a:ln>
                   <a:noFill/>
@@ -6369,7 +6344,7 @@
               </a:rPr>
               <a:t> </a:t>
             </a:r>
-            <a:r xmlns:a="http://schemas.openxmlformats.org/drawingml/2006/main">
+            <a:r>
               <a:rPr kumimoji="0" lang="en" altLang="en-US" b="1" i="0" u="none" strike="noStrike" cap="none" normalizeH="0" baseline="0" dirty="0" err="1" smtClean="0">
                 <a:ln>
                   <a:noFill/>
@@ -6383,7 +6358,7 @@
               </a:rPr>
               <a:t>DimSupplier </a:t>
             </a:r>
-            <a:r xmlns:a="http://schemas.openxmlformats.org/drawingml/2006/main">
+            <a:r>
               <a:rPr kumimoji="0" lang="en" altLang="en-US" b="1" i="0" u="none" strike="noStrike" cap="none" normalizeH="0" baseline="0" dirty="0" smtClean="0">
                 <a:ln>
                   <a:noFill/>
@@ -6397,7 +6372,7 @@
               </a:rPr>
               <a:t>↔ FactSales</a:t>
             </a:r>
-            <a:endParaRPr xmlns:a="http://schemas.openxmlformats.org/drawingml/2006/main" kumimoji="0" lang="fr-FR" altLang="en-US" b="0" i="0" u="none" strike="noStrike" cap="none" normalizeH="0" baseline="0" dirty="0" smtClean="0">
+            <a:endParaRPr kumimoji="0" lang="fr-FR" altLang="en-US" b="0" i="0" u="none" strike="noStrike" cap="none" normalizeH="0" baseline="0" dirty="0" smtClean="0">
               <a:ln>
                 <a:noFill/>
               </a:ln>
@@ -6410,7 +6385,7 @@
             </a:endParaRPr>
           </a:p>
           <a:p>
-            <a:pPr xmlns:a="http://schemas.openxmlformats.org/drawingml/2006/main" marL="457200" marR="0" lvl="1" indent="0" algn="l" defTabSz="914400" rtl="0" eaLnBrk="0" fontAlgn="base" latinLnBrk="0" hangingPunct="0">
+            <a:pPr marL="457200" marR="0" lvl="1" indent="0" algn="l" defTabSz="914400" rtl="0" eaLnBrk="0" fontAlgn="base" latinLnBrk="0" hangingPunct="0">
               <a:lnSpc>
                 <a:spcPct val="100000"/>
               </a:lnSpc>
@@ -6426,7 +6401,7 @@
               <a:buChar char="•"/>
               <a:tabLst/>
             </a:pPr>
-            <a:r xmlns:a="http://schemas.openxmlformats.org/drawingml/2006/main">
+            <a:r>
               <a:rPr kumimoji="0" lang="en" altLang="en-US" b="1" i="0" u="none" strike="noStrike" cap="none" normalizeH="0" baseline="0" dirty="0" smtClean="0">
                 <a:ln>
                   <a:noFill/>
@@ -6440,7 +6415,7 @@
               </a:rPr>
               <a:t>Single Mode </a:t>
             </a:r>
-            <a:r xmlns:a="http://schemas.openxmlformats.org/drawingml/2006/main">
+            <a:r>
               <a:rPr kumimoji="0" lang="en" altLang="en-US" b="0" i="0" u="none" strike="noStrike" cap="none" normalizeH="0" baseline="0" dirty="0" smtClean="0">
                 <a:ln>
                   <a:noFill/>
@@ -6456,7 +6431,7 @@
             </a:r>
           </a:p>
           <a:p>
-            <a:pPr xmlns:a="http://schemas.openxmlformats.org/drawingml/2006/main" marL="457200" marR="0" lvl="1" indent="0" algn="l" defTabSz="914400" rtl="0" eaLnBrk="0" fontAlgn="base" latinLnBrk="0" hangingPunct="0">
+            <a:pPr marL="457200" marR="0" lvl="1" indent="0" algn="l" defTabSz="914400" rtl="0" eaLnBrk="0" fontAlgn="base" latinLnBrk="0" hangingPunct="0">
               <a:lnSpc>
                 <a:spcPct val="100000"/>
               </a:lnSpc>
@@ -6472,7 +6447,7 @@
               <a:buChar char="•"/>
               <a:tabLst/>
             </a:pPr>
-            <a:r xmlns:a="http://schemas.openxmlformats.org/drawingml/2006/main">
+            <a:r>
               <a:rPr kumimoji="0" lang="en" altLang="en-US" b="1" i="0" u="none" strike="noStrike" cap="none" normalizeH="0" baseline="0" dirty="0" err="1" smtClean="0">
                 <a:ln>
                   <a:noFill/>
@@ -6486,7 +6461,7 @@
               </a:rPr>
               <a:t>Both </a:t>
             </a:r>
-            <a:r xmlns:a="http://schemas.openxmlformats.org/drawingml/2006/main">
+            <a:r>
               <a:rPr kumimoji="0" lang="en" altLang="en-US" b="1" i="0" u="none" strike="noStrike" cap="none" normalizeH="0" baseline="0" dirty="0" smtClean="0">
                 <a:ln>
                   <a:noFill/>
@@ -6500,7 +6475,7 @@
               </a:rPr>
               <a:t>Mode </a:t>
             </a:r>
-            <a:r xmlns:a="http://schemas.openxmlformats.org/drawingml/2006/main">
+            <a:r>
               <a:rPr kumimoji="0" lang="en" altLang="en-US" b="0" i="0" u="none" strike="noStrike" cap="none" normalizeH="0" baseline="0" dirty="0" smtClean="0">
                 <a:ln>
                   <a:noFill/>
@@ -6516,7 +6491,7 @@
             </a:r>
           </a:p>
           <a:p>
-            <a:pPr xmlns:a="http://schemas.openxmlformats.org/drawingml/2006/main" marL="285750" marR="0" lvl="0" indent="-285750" algn="l" defTabSz="914400" rtl="0" eaLnBrk="0" fontAlgn="base" latinLnBrk="0" hangingPunct="0">
+            <a:pPr marL="285750" marR="0" lvl="0" indent="-285750" algn="l" defTabSz="914400" rtl="0" eaLnBrk="0" fontAlgn="base" latinLnBrk="0" hangingPunct="0">
               <a:lnSpc>
                 <a:spcPct val="100000"/>
               </a:lnSpc>
@@ -6532,7 +6507,7 @@
               <a:buChar char="•"/>
               <a:tabLst/>
             </a:pPr>
-            <a:r xmlns:a="http://schemas.openxmlformats.org/drawingml/2006/main">
+            <a:r>
               <a:rPr kumimoji="0" lang="en" altLang="en-US" i="0" u="none" strike="noStrike" cap="none" normalizeH="0" baseline="0" dirty="0" smtClean="0">
                 <a:ln>
                   <a:noFill/>
@@ -6546,7 +6521,7 @@
               </a:rPr>
               <a:t>Do the same for</a:t>
             </a:r>
-            <a:r xmlns:a="http://schemas.openxmlformats.org/drawingml/2006/main">
+            <a:r>
               <a:rPr kumimoji="0" lang="en" altLang="en-US" b="1" i="0" u="none" strike="noStrike" cap="none" normalizeH="0" baseline="0" dirty="0" smtClean="0">
                 <a:ln>
                   <a:noFill/>
@@ -6560,7 +6535,7 @@
               </a:rPr>
               <a:t> </a:t>
             </a:r>
-            <a:r xmlns:a="http://schemas.openxmlformats.org/drawingml/2006/main">
+            <a:r>
               <a:rPr kumimoji="0" lang="en" altLang="en-US" b="1" i="0" u="none" strike="noStrike" cap="none" normalizeH="0" baseline="0" dirty="0" err="1" smtClean="0">
                 <a:ln>
                   <a:noFill/>
@@ -6574,7 +6549,7 @@
               </a:rPr>
               <a:t>DimProduct </a:t>
             </a:r>
-            <a:r xmlns:a="http://schemas.openxmlformats.org/drawingml/2006/main">
+            <a:r>
               <a:rPr kumimoji="0" lang="en" altLang="en-US" b="0" i="0" u="none" strike="noStrike" cap="none" normalizeH="0" baseline="0" dirty="0" smtClean="0">
                 <a:ln>
                   <a:noFill/>
@@ -6672,14 +6647,14 @@
           </a:bodyPr>
           <a:lstStyle/>
           <a:p>
-            <a:r xmlns:a="http://schemas.openxmlformats.org/drawingml/2006/main">
+            <a:r>
               <a:rPr lang="en" sz="2000" b="1" dirty="0" smtClean="0">
                 <a:latin typeface="Segoe UI" panose="020B0502040204020203" pitchFamily="34" charset="0"/>
                 <a:cs typeface="Segoe UI" panose="020B0502040204020203" pitchFamily="34" charset="0"/>
               </a:rPr>
               <a:t>Understanding Crossfilter Directions</a:t>
             </a:r>
-            <a:endParaRPr xmlns:a="http://schemas.openxmlformats.org/drawingml/2006/main" lang="fr-FR" sz="2000" b="1" dirty="0">
+            <a:endParaRPr lang="fr-FR" sz="2000" b="1" dirty="0">
               <a:latin typeface="Segoe UI" panose="020B0502040204020203" pitchFamily="34" charset="0"/>
               <a:cs typeface="Segoe UI" panose="020B0502040204020203" pitchFamily="34" charset="0"/>
             </a:endParaRPr>
@@ -6795,8 +6770,8 @@
         </p:nvSpPr>
         <p:spPr>
           <a:xfrm>
-            <a:off x="4023104" y="2629946"/>
-            <a:ext cx="3456395" cy="1569660"/>
+            <a:off x="2861197" y="2643697"/>
+            <a:ext cx="6230360" cy="1569660"/>
           </a:xfrm>
           <a:prstGeom prst="rect">
             <a:avLst/>
@@ -6809,8 +6784,8 @@
           </a:bodyPr>
           <a:lstStyle/>
           <a:p>
-            <a:r xmlns:a="http://schemas.openxmlformats.org/drawingml/2006/main">
-              <a:rPr lang="en" sz="9600" b="1" dirty="0" smtClean="0">
+            <a:r>
+              <a:rPr lang="en-US" sz="9600" b="1" dirty="0" smtClean="0">
                 <a:solidFill>
                   <a:srgbClr val="7030A0"/>
                 </a:solidFill>
@@ -6818,9 +6793,9 @@
                 <a:ea typeface="Verdana" panose="020B0604030504040204" pitchFamily="34" charset="0"/>
                 <a:cs typeface="Segoe UI" panose="020B0502040204020203" pitchFamily="34" charset="0"/>
               </a:rPr>
-              <a:t>THANKS</a:t>
-            </a:r>
-            <a:endParaRPr xmlns:a="http://schemas.openxmlformats.org/drawingml/2006/main" lang="en-US" sz="9600" b="1" dirty="0">
+              <a:t>Thank you</a:t>
+            </a:r>
+            <a:endParaRPr lang="en-US" sz="9600" b="1" dirty="0">
               <a:solidFill>
                 <a:srgbClr val="7030A0"/>
               </a:solidFill>
@@ -6839,8 +6814,8 @@
         </p:nvSpPr>
         <p:spPr>
           <a:xfrm>
-            <a:off x="3962373" y="2541714"/>
-            <a:ext cx="3456395" cy="1569660"/>
+            <a:off x="2800466" y="2555465"/>
+            <a:ext cx="6230360" cy="1569660"/>
           </a:xfrm>
           <a:prstGeom prst="rect">
             <a:avLst/>
@@ -6853,8 +6828,8 @@
           </a:bodyPr>
           <a:lstStyle/>
           <a:p>
-            <a:r xmlns:a="http://schemas.openxmlformats.org/drawingml/2006/main">
-              <a:rPr lang="en" sz="9600" b="1" dirty="0" smtClean="0">
+            <a:r>
+              <a:rPr lang="en-US" sz="9600" b="1" dirty="0" smtClean="0">
                 <a:solidFill>
                   <a:schemeClr val="bg1"/>
                 </a:solidFill>
@@ -6862,9 +6837,9 @@
                 <a:ea typeface="Verdana" panose="020B0604030504040204" pitchFamily="34" charset="0"/>
                 <a:cs typeface="Segoe UI" panose="020B0502040204020203" pitchFamily="34" charset="0"/>
               </a:rPr>
-              <a:t>THANKS</a:t>
-            </a:r>
-            <a:endParaRPr xmlns:a="http://schemas.openxmlformats.org/drawingml/2006/main" lang="en-US" sz="9600" b="1" dirty="0">
+              <a:t>Thank you</a:t>
+            </a:r>
+            <a:endParaRPr lang="en-US" sz="9600" b="1" dirty="0">
               <a:solidFill>
                 <a:schemeClr val="bg1"/>
               </a:solidFill>
